--- a/EverydayPython/EverydayPython.pptx
+++ b/EverydayPython/EverydayPython.pptx
@@ -5,7 +5,7 @@
     <p:sldMasterId id="2147483648" r:id="rId1"/>
   </p:sldMasterIdLst>
   <p:notesMasterIdLst>
-    <p:notesMasterId r:id="rId17"/>
+    <p:notesMasterId r:id="rId19"/>
   </p:notesMasterIdLst>
   <p:sldIdLst>
     <p:sldId id="256" r:id="rId4"/>
@@ -21,6 +21,8 @@
     <p:sldId id="266" r:id="rId14"/>
     <p:sldId id="267" r:id="rId15"/>
     <p:sldId id="268" r:id="rId16"/>
+    <p:sldId id="269" r:id="rId17"/>
+    <p:sldId id="270" r:id="rId18"/>
   </p:sldIdLst>
   <p:sldSz cx="12192000" cy="6858000"/>
   <p:notesSz cx="6858000" cy="9144000"/>
@@ -819,7 +821,7 @@
             <a:pPr>
               <a:defRPr/>
             </a:pPr>
-            <a:fld id="{9EEF7773-C797-AA8E-97E3-CEFDF2643DAF}" type="slidenum">
+            <a:fld id="{9739E0BC-F6C0-BD0E-00E5-B8DFDCD36BB1}" type="slidenum">
               <a:rPr/>
               <a:t/>
             </a:fld>
@@ -901,6 +903,170 @@
             <a:pPr>
               <a:defRPr/>
             </a:pPr>
+            <a:fld id="{8E39CF12-19D5-F9F1-2FBB-212EC630878D}" type="slidenum">
+              <a:rPr/>
+              <a:t/>
+            </a:fld>
+            <a:endParaRPr/>
+          </a:p>
+        </p:txBody>
+      </p:sp>
+    </p:spTree>
+  </p:cSld>
+</p:notes>
+</file>
+
+<file path=ppt/notesSlides/notesSlide14.xml><?xml version="1.0" encoding="utf-8"?>
+<p:notes xmlns:a="http://schemas.openxmlformats.org/drawingml/2006/main" xmlns:r="http://schemas.openxmlformats.org/officeDocument/2006/relationships" xmlns:p="http://schemas.openxmlformats.org/presentationml/2006/main" xmlns:m="http://schemas.openxmlformats.org/officeDocument/2006/math" xmlns:w="http://schemas.openxmlformats.org/wordprocessingml/2006/main">
+  <p:cSld name="">
+    <p:spTree>
+      <p:nvGrpSpPr>
+        <p:cNvPr id="1" name=""/>
+        <p:cNvGrpSpPr/>
+        <p:nvPr/>
+      </p:nvGrpSpPr>
+      <p:grpSpPr bwMode="auto">
+        <a:xfrm>
+          <a:off x="0" y="0"/>
+          <a:ext cx="0" cy="0"/>
+          <a:chOff x="0" y="0"/>
+          <a:chExt cx="0" cy="0"/>
+        </a:xfrm>
+      </p:grpSpPr>
+      <p:sp>
+        <p:nvSpPr>
+          <p:cNvPr id="2" name="Slide Image Placeholder 1"/>
+          <p:cNvSpPr>
+            <a:spLocks noChangeAspect="1" noGrp="1" noRot="1"/>
+          </p:cNvSpPr>
+          <p:nvPr>
+            <p:ph type="sldImg"/>
+          </p:nvPr>
+        </p:nvSpPr>
+        <p:spPr bwMode="auto"/>
+      </p:sp>
+      <p:sp>
+        <p:nvSpPr>
+          <p:cNvPr id="3" name="Notes Placeholder 2"/>
+          <p:cNvSpPr>
+            <a:spLocks noGrp="1"/>
+          </p:cNvSpPr>
+          <p:nvPr>
+            <p:ph type="body" idx="1"/>
+          </p:nvPr>
+        </p:nvSpPr>
+        <p:spPr bwMode="auto"/>
+        <p:txBody>
+          <a:bodyPr/>
+          <a:lstStyle/>
+          <a:p>
+            <a:pPr>
+              <a:defRPr/>
+            </a:pPr>
+            <a:endParaRPr/>
+          </a:p>
+        </p:txBody>
+      </p:sp>
+      <p:sp>
+        <p:nvSpPr>
+          <p:cNvPr id="4" name="Slide Number Placeholder 3"/>
+          <p:cNvSpPr>
+            <a:spLocks noGrp="1"/>
+          </p:cNvSpPr>
+          <p:nvPr>
+            <p:ph type="sldNum" sz="quarter" idx="10"/>
+          </p:nvPr>
+        </p:nvSpPr>
+        <p:spPr bwMode="auto"/>
+        <p:txBody>
+          <a:bodyPr/>
+          <a:lstStyle/>
+          <a:p>
+            <a:pPr>
+              <a:defRPr/>
+            </a:pPr>
+            <a:fld id="{9EEF7773-C797-AA8E-97E3-CEFDF2643DAF}" type="slidenum">
+              <a:rPr/>
+              <a:t/>
+            </a:fld>
+            <a:endParaRPr/>
+          </a:p>
+        </p:txBody>
+      </p:sp>
+    </p:spTree>
+  </p:cSld>
+</p:notes>
+</file>
+
+<file path=ppt/notesSlides/notesSlide15.xml><?xml version="1.0" encoding="utf-8"?>
+<p:notes xmlns:a="http://schemas.openxmlformats.org/drawingml/2006/main" xmlns:r="http://schemas.openxmlformats.org/officeDocument/2006/relationships" xmlns:p="http://schemas.openxmlformats.org/presentationml/2006/main" xmlns:m="http://schemas.openxmlformats.org/officeDocument/2006/math" xmlns:w="http://schemas.openxmlformats.org/wordprocessingml/2006/main">
+  <p:cSld name="">
+    <p:spTree>
+      <p:nvGrpSpPr>
+        <p:cNvPr id="1" name=""/>
+        <p:cNvGrpSpPr/>
+        <p:nvPr/>
+      </p:nvGrpSpPr>
+      <p:grpSpPr bwMode="auto">
+        <a:xfrm>
+          <a:off x="0" y="0"/>
+          <a:ext cx="0" cy="0"/>
+          <a:chOff x="0" y="0"/>
+          <a:chExt cx="0" cy="0"/>
+        </a:xfrm>
+      </p:grpSpPr>
+      <p:sp>
+        <p:nvSpPr>
+          <p:cNvPr id="2" name="Slide Image Placeholder 1"/>
+          <p:cNvSpPr>
+            <a:spLocks noChangeAspect="1" noGrp="1" noRot="1"/>
+          </p:cNvSpPr>
+          <p:nvPr>
+            <p:ph type="sldImg"/>
+          </p:nvPr>
+        </p:nvSpPr>
+        <p:spPr bwMode="auto"/>
+      </p:sp>
+      <p:sp>
+        <p:nvSpPr>
+          <p:cNvPr id="3" name="Notes Placeholder 2"/>
+          <p:cNvSpPr>
+            <a:spLocks noGrp="1"/>
+          </p:cNvSpPr>
+          <p:nvPr>
+            <p:ph type="body" idx="1"/>
+          </p:nvPr>
+        </p:nvSpPr>
+        <p:spPr bwMode="auto"/>
+        <p:txBody>
+          <a:bodyPr/>
+          <a:lstStyle/>
+          <a:p>
+            <a:pPr>
+              <a:defRPr/>
+            </a:pPr>
+            <a:endParaRPr/>
+          </a:p>
+        </p:txBody>
+      </p:sp>
+      <p:sp>
+        <p:nvSpPr>
+          <p:cNvPr id="4" name="Slide Number Placeholder 3"/>
+          <p:cNvSpPr>
+            <a:spLocks noGrp="1"/>
+          </p:cNvSpPr>
+          <p:nvPr>
+            <p:ph type="sldNum" sz="quarter" idx="10"/>
+          </p:nvPr>
+        </p:nvSpPr>
+        <p:spPr bwMode="auto"/>
+        <p:txBody>
+          <a:bodyPr/>
+          <a:lstStyle/>
+          <a:p>
+            <a:pPr>
+              <a:defRPr/>
+            </a:pPr>
             <a:fld id="{880CEE55-7315-9158-1B7D-DECAE3BF6F9F}" type="slidenum">
               <a:rPr/>
               <a:t/>
@@ -1598,7 +1764,7 @@
         <p:spPr bwMode="auto">
           <a:xfrm>
             <a:off x="8220990" y="1"/>
-            <a:ext cx="3971006" cy="6857460"/>
+            <a:ext cx="3971005" cy="6857460"/>
           </a:xfrm>
           <a:custGeom>
             <a:avLst/>
@@ -5738,7 +5904,7 @@
         <p:spPr bwMode="auto">
           <a:xfrm>
             <a:off x="984107" y="474624"/>
-            <a:ext cx="5463821" cy="4108919"/>
+            <a:ext cx="5463821" cy="4108918"/>
           </a:xfrm>
           <a:custGeom>
             <a:avLst/>
@@ -5825,7 +5991,7 @@
         </p:nvSpPr>
         <p:spPr bwMode="auto">
           <a:xfrm>
-            <a:off x="1045633" y="503197"/>
+            <a:off x="1045632" y="503197"/>
             <a:ext cx="5284893" cy="3974469"/>
           </a:xfrm>
           <a:custGeom>
@@ -6464,7 +6630,7 @@
         </p:nvSpPr>
         <p:spPr bwMode="auto">
           <a:xfrm>
-            <a:off x="1648463" y="4729109"/>
+            <a:off x="1648462" y="4729109"/>
             <a:ext cx="755507" cy="568121"/>
           </a:xfrm>
           <a:custGeom>
@@ -6615,7 +6781,7 @@
         <p:spPr bwMode="auto">
           <a:xfrm>
             <a:off x="2370101" y="5855034"/>
-            <a:ext cx="893514" cy="671935"/>
+            <a:ext cx="893513" cy="671935"/>
           </a:xfrm>
           <a:custGeom>
             <a:avLst/>
@@ -6764,7 +6930,7 @@
         </p:nvSpPr>
         <p:spPr bwMode="auto">
           <a:xfrm>
-            <a:off x="3596921" y="5964721"/>
+            <a:off x="3596920" y="5964721"/>
             <a:ext cx="726439" cy="546215"/>
           </a:xfrm>
           <a:custGeom>
@@ -6839,7 +7005,7 @@
         </p:nvSpPr>
         <p:spPr bwMode="auto">
           <a:xfrm>
-            <a:off x="3037843" y="5578670"/>
+            <a:off x="3037843" y="5578669"/>
             <a:ext cx="977899" cy="735271"/>
           </a:xfrm>
           <a:custGeom>
@@ -7143,7 +7309,7 @@
         <p:spPr bwMode="auto">
           <a:xfrm>
             <a:off x="815413" y="6356353"/>
-            <a:ext cx="2844799" cy="365125"/>
+            <a:ext cx="2844798" cy="365125"/>
           </a:xfrm>
           <a:prstGeom prst="rect">
             <a:avLst/>
@@ -7736,7 +7902,7 @@
             </a:pPr>
             <a:r>
               <a:rPr/>
-              <a:t>Zapisz do niego kilka linijek tekstu. </a:t>
+              <a:t>Zapisz do niego kilka linijek tekstu (jakichkolwiek). </a:t>
             </a:r>
             <a:endParaRPr/>
           </a:p>
@@ -7893,28 +8059,6 @@
           </a:p>
         </p:txBody>
       </p:sp>
-      <p:sp>
-        <p:nvSpPr>
-          <p:cNvPr id="1567484398" name="Объект 2"/>
-          <p:cNvSpPr>
-            <a:spLocks noGrp="1"/>
-          </p:cNvSpPr>
-          <p:nvPr>
-            <p:ph idx="1"/>
-          </p:nvPr>
-        </p:nvSpPr>
-        <p:spPr bwMode="auto"/>
-        <p:txBody>
-          <a:bodyPr/>
-          <a:lstStyle/>
-          <a:p>
-            <a:pPr>
-              <a:defRPr/>
-            </a:pPr>
-            <a:endParaRPr/>
-          </a:p>
-        </p:txBody>
-      </p:sp>
     </p:spTree>
   </p:cSld>
   <p:clrMapOvr>
@@ -7950,7 +8094,7 @@
       </p:grpSpPr>
       <p:sp>
         <p:nvSpPr>
-          <p:cNvPr id="1518862084" name="Заголовок 1"/>
+          <p:cNvPr id="1643413513" name="Заголовок 1"/>
           <p:cNvSpPr>
             <a:spLocks noGrp="1"/>
           </p:cNvSpPr>
@@ -7960,23 +8104,34 @@
         </p:nvSpPr>
         <p:spPr bwMode="auto"/>
         <p:txBody>
-          <a:bodyPr/>
+          <a:bodyPr vertOverflow="overflow" horzOverflow="overflow" vert="horz" wrap="square" lIns="91440" tIns="45720" rIns="91440" bIns="45720" numCol="1" spcCol="0" rtlCol="0" fromWordArt="0" anchor="ctr" anchorCtr="0" forceAA="0" upright="0" compatLnSpc="0">
+            <a:normAutofit/>
+          </a:bodyPr>
           <a:lstStyle/>
           <a:p>
             <a:pPr>
               <a:defRPr/>
             </a:pPr>
             <a:r>
-              <a:rPr/>
-              <a:t>Odczytywanie zawartości katalogu</a:t>
-            </a:r>
-            <a:endParaRPr/>
-          </a:p>
-        </p:txBody>
-      </p:sp>
-      <p:sp>
-        <p:nvSpPr>
-          <p:cNvPr id="1492158509" name="Объект 2"/>
+              <a:rPr lang="pl-PL" sz="4400" b="1" i="0" u="none" strike="noStrike" cap="none" spc="0">
+                <a:solidFill>
+                  <a:schemeClr val="accent6">
+                    <a:lumMod val="50000"/>
+                  </a:schemeClr>
+                </a:solidFill>
+                <a:latin typeface="+mj-lt"/>
+                <a:ea typeface="+mj-ea"/>
+                <a:cs typeface="Arial"/>
+              </a:rPr>
+              <a:t>Operacje na tekście</a:t>
+            </a:r>
+            <a:endParaRPr sz="4400"/>
+          </a:p>
+        </p:txBody>
+      </p:sp>
+      <p:sp>
+        <p:nvSpPr>
+          <p:cNvPr id="1774207028" name="Объект 2"/>
           <p:cNvSpPr>
             <a:spLocks noGrp="1"/>
           </p:cNvSpPr>
@@ -7984,14 +8139,216 @@
             <p:ph idx="1"/>
           </p:nvPr>
         </p:nvSpPr>
-        <p:spPr bwMode="auto"/>
-        <p:txBody>
-          <a:bodyPr/>
+        <p:spPr bwMode="auto">
+          <a:xfrm>
+            <a:off x="807333" y="1600202"/>
+            <a:ext cx="10577332" cy="4525961"/>
+          </a:xfrm>
+        </p:spPr>
+        <p:txBody>
+          <a:bodyPr vertOverflow="overflow" horzOverflow="overflow" vert="horz" wrap="square" lIns="91440" tIns="45720" rIns="91440" bIns="45720" numCol="1" spcCol="0" rtlCol="0" fromWordArt="0" anchor="t" anchorCtr="0" forceAA="0" upright="0" compatLnSpc="0">
+            <a:normAutofit fontScale="85000" lnSpcReduction="3000"/>
+          </a:bodyPr>
           <a:lstStyle/>
           <a:p>
             <a:pPr>
               <a:defRPr/>
             </a:pPr>
+            <a:r>
+              <a:rPr/>
+              <a:t>Poniższe funkcje stanowią metody klasy </a:t>
+            </a:r>
+            <a:r>
+              <a:rPr sz="2600">
+                <a:latin typeface="Source Code Pro ExtraLight"/>
+                <a:ea typeface="Source Code Pro ExtraLight"/>
+                <a:cs typeface="Source Code Pro ExtraLight"/>
+              </a:rPr>
+              <a:t>str</a:t>
+            </a:r>
+            <a:endParaRPr sz="2600">
+              <a:latin typeface="Source Code Pro ExtraLight"/>
+              <a:cs typeface="Source Code Pro ExtraLight"/>
+            </a:endParaRPr>
+          </a:p>
+          <a:p>
+            <a:pPr>
+              <a:defRPr/>
+            </a:pPr>
+            <a:r>
+              <a:rPr sz="2600">
+                <a:latin typeface="Source Code Pro ExtraLight"/>
+                <a:ea typeface="Source Code Pro ExtraLight"/>
+                <a:cs typeface="Source Code Pro ExtraLight"/>
+              </a:rPr>
+              <a:t>capitalize()</a:t>
+            </a:r>
+            <a:r>
+              <a:rPr sz="2600">
+                <a:latin typeface="Source Code Pro ExtraLight"/>
+                <a:ea typeface="Source Code Pro ExtraLight"/>
+                <a:cs typeface="Source Code Pro ExtraLight"/>
+              </a:rPr>
+              <a:t>/lower()/upper()</a:t>
+            </a:r>
+            <a:r>
+              <a:rPr/>
+              <a:t> – zmiana wielkości liter</a:t>
+            </a:r>
+            <a:endParaRPr/>
+          </a:p>
+          <a:p>
+            <a:pPr>
+              <a:defRPr/>
+            </a:pPr>
+            <a:r>
+              <a:rPr sz="2600">
+                <a:latin typeface="Source Code Pro ExtraLight"/>
+                <a:ea typeface="Source Code Pro ExtraLight"/>
+                <a:cs typeface="Source Code Pro ExtraLight"/>
+              </a:rPr>
+              <a:t>strip()</a:t>
+            </a:r>
+            <a:r>
+              <a:rPr/>
+              <a:t> – usuwa białe znaki</a:t>
+            </a:r>
+            <a:endParaRPr/>
+          </a:p>
+          <a:p>
+            <a:pPr>
+              <a:defRPr/>
+            </a:pPr>
+            <a:r>
+              <a:rPr sz="2600">
+                <a:latin typeface="Source Code Pro ExtraLight"/>
+                <a:ea typeface="Source Code Pro ExtraLight"/>
+                <a:cs typeface="Source Code Pro ExtraLight"/>
+              </a:rPr>
+              <a:t>split(x)</a:t>
+            </a:r>
+            <a:r>
+              <a:rPr/>
+              <a:t> – zmienia str w tablicę, dzieląc go na znaku x </a:t>
+            </a:r>
+            <a:endParaRPr/>
+          </a:p>
+          <a:p>
+            <a:pPr>
+              <a:defRPr/>
+            </a:pPr>
+            <a:r>
+              <a:rPr sz="2600">
+                <a:latin typeface="Source Code Pro ExtraLight"/>
+                <a:ea typeface="Source Code Pro ExtraLight"/>
+                <a:cs typeface="Source Code Pro ExtraLight"/>
+              </a:rPr>
+              <a:t>join(x)</a:t>
+            </a:r>
+            <a:r>
+              <a:rPr/>
+              <a:t> – łączy tablicę x w jednego str</a:t>
+            </a:r>
+            <a:endParaRPr/>
+          </a:p>
+          <a:p>
+            <a:pPr>
+              <a:defRPr/>
+            </a:pPr>
+            <a:r>
+              <a:rPr sz="2600">
+                <a:latin typeface="Source Code Pro ExtraLight"/>
+                <a:ea typeface="Source Code Pro ExtraLight"/>
+                <a:cs typeface="Source Code Pro ExtraLight"/>
+              </a:rPr>
+              <a:t>replace(x,y)</a:t>
+            </a:r>
+            <a:r>
+              <a:rPr/>
+              <a:t> – zamienia wszystkie wystąpienia x na y</a:t>
+            </a:r>
+            <a:endParaRPr/>
+          </a:p>
+          <a:p>
+            <a:pPr>
+              <a:defRPr/>
+            </a:pPr>
+            <a:r>
+              <a:rPr sz="2600">
+                <a:latin typeface="Source Code Pro ExtraLight"/>
+                <a:ea typeface="Source Code Pro ExtraLight"/>
+                <a:cs typeface="Source Code Pro ExtraLight"/>
+              </a:rPr>
+              <a:t>index(x) / find(x)</a:t>
+            </a:r>
+            <a:r>
+              <a:rPr/>
+              <a:t> – zwraca pozycję na której jest x (index działa też na listach!)</a:t>
+            </a:r>
+            <a:endParaRPr/>
+          </a:p>
+          <a:p>
+            <a:pPr>
+              <a:defRPr/>
+            </a:pPr>
+            <a:r>
+              <a:rPr sz="2600">
+                <a:latin typeface="Source Code Pro ExtraLight"/>
+                <a:ea typeface="Source Code Pro ExtraLight"/>
+                <a:cs typeface="Source Code Pro ExtraLight"/>
+              </a:rPr>
+              <a:t>format(x,y,z...)</a:t>
+            </a:r>
+            <a:r>
+              <a:rPr/>
+              <a:t> – podmienia oznaczone miejsca w tekście na kolejne argumenty x,y,z...</a:t>
+            </a:r>
+            <a:endParaRPr/>
+          </a:p>
+          <a:p>
+            <a:pPr lvl="1">
+              <a:defRPr/>
+            </a:pPr>
+            <a:r>
+              <a:rPr/>
+              <a:t>Istnieje wiele opcji formatowania, warto zapoznać się z dokumentacją</a:t>
+            </a:r>
+            <a:endParaRPr/>
+          </a:p>
+        </p:txBody>
+      </p:sp>
+      <p:sp>
+        <p:nvSpPr>
+          <p:cNvPr id="1729162983" name=""/>
+          <p:cNvSpPr txBox="1"/>
+          <p:nvPr/>
+        </p:nvSpPr>
+        <p:spPr bwMode="auto">
+          <a:xfrm flipH="0" flipV="0">
+            <a:off x="7926742" y="6126164"/>
+            <a:ext cx="3853234" cy="366120"/>
+          </a:xfrm>
+          <a:prstGeom prst="rect">
+            <a:avLst/>
+          </a:prstGeom>
+          <a:noFill/>
+        </p:spPr>
+        <p:txBody>
+          <a:bodyPr vertOverflow="overflow" horzOverflow="overflow" vert="horz" wrap="square" lIns="91440" tIns="45720" rIns="91440" bIns="45720" numCol="1" spcCol="0" rtlCol="0" fromWordArt="0" anchor="t" anchorCtr="0" forceAA="0" upright="0" compatLnSpc="0">
+            <a:spAutoFit/>
+          </a:bodyPr>
+          <a:p>
+            <a:pPr>
+              <a:defRPr/>
+            </a:pPr>
+            <a:r>
+              <a:rPr>
+                <a:latin typeface="Source Code Pro ExtraLight"/>
+                <a:ea typeface="Source Code Pro ExtraLight"/>
+                <a:cs typeface="Source Code Pro ExtraLight"/>
+              </a:rPr>
+              <a:t>text_operations.py</a:t>
+            </a:r>
             <a:endParaRPr/>
           </a:p>
         </p:txBody>
@@ -8013,6 +8370,237 @@
 </file>
 
 <file path=ppt/slides/slide13.xml><?xml version="1.0" encoding="utf-8"?>
+<p:sld xmlns:a="http://schemas.openxmlformats.org/drawingml/2006/main" xmlns:r="http://schemas.openxmlformats.org/officeDocument/2006/relationships" xmlns:p="http://schemas.openxmlformats.org/presentationml/2006/main" xmlns:m="http://schemas.openxmlformats.org/officeDocument/2006/math" xmlns:w="http://schemas.openxmlformats.org/wordprocessingml/2006/main" showMasterPhAnim="0" show="1">
+  <p:cSld name="">
+    <p:spTree>
+      <p:nvGrpSpPr>
+        <p:cNvPr id="1" name=""/>
+        <p:cNvGrpSpPr/>
+        <p:nvPr/>
+      </p:nvGrpSpPr>
+      <p:grpSpPr bwMode="auto">
+        <a:xfrm>
+          <a:off x="0" y="0"/>
+          <a:ext cx="0" cy="0"/>
+          <a:chOff x="0" y="0"/>
+          <a:chExt cx="0" cy="0"/>
+        </a:xfrm>
+      </p:grpSpPr>
+      <p:sp>
+        <p:nvSpPr>
+          <p:cNvPr id="1200174623" name="Заголовок 1"/>
+          <p:cNvSpPr>
+            <a:spLocks noGrp="1"/>
+          </p:cNvSpPr>
+          <p:nvPr>
+            <p:ph type="title"/>
+          </p:nvPr>
+        </p:nvSpPr>
+        <p:spPr bwMode="auto"/>
+        <p:txBody>
+          <a:bodyPr/>
+          <a:lstStyle/>
+          <a:p>
+            <a:pPr>
+              <a:defRPr/>
+            </a:pPr>
+            <a:r>
+              <a:rPr lang="pl-PL" sz="4400" b="1" i="0" u="none" strike="noStrike" cap="none" spc="0">
+                <a:solidFill>
+                  <a:schemeClr val="accent6">
+                    <a:lumMod val="50000"/>
+                  </a:schemeClr>
+                </a:solidFill>
+                <a:latin typeface="Arial"/>
+                <a:ea typeface="Arial"/>
+                <a:cs typeface="Arial"/>
+              </a:rPr>
+              <a:t>Operacje na tekście</a:t>
+            </a:r>
+            <a:r>
+              <a:rPr/>
+              <a:t> – zadnie</a:t>
+            </a:r>
+            <a:endParaRPr/>
+          </a:p>
+        </p:txBody>
+      </p:sp>
+      <p:sp>
+        <p:nvSpPr>
+          <p:cNvPr id="1065804056" name="Объект 2"/>
+          <p:cNvSpPr>
+            <a:spLocks noGrp="1"/>
+          </p:cNvSpPr>
+          <p:nvPr>
+            <p:ph idx="1"/>
+          </p:nvPr>
+        </p:nvSpPr>
+        <p:spPr bwMode="auto"/>
+        <p:txBody>
+          <a:bodyPr vertOverflow="overflow" horzOverflow="overflow" vert="horz" wrap="square" lIns="91440" tIns="45720" rIns="91440" bIns="45720" numCol="1" spcCol="0" rtlCol="0" fromWordArt="0" anchor="t" anchorCtr="0" forceAA="0" upright="0" compatLnSpc="0">
+            <a:normAutofit fontScale="90000" lnSpcReduction="2000"/>
+          </a:bodyPr>
+          <a:lstStyle/>
+          <a:p>
+            <a:pPr>
+              <a:defRPr/>
+            </a:pPr>
+            <a:r>
+              <a:rPr/>
+              <a:t>Na GitHubie znajdziesz plik – dates.txt</a:t>
+            </a:r>
+            <a:endParaRPr/>
+          </a:p>
+          <a:p>
+            <a:pPr>
+              <a:defRPr/>
+            </a:pPr>
+            <a:r>
+              <a:rPr/>
+              <a:t>Zapisano w nim imiona 100 osób oraz daty ich urodzenia</a:t>
+            </a:r>
+            <a:endParaRPr/>
+          </a:p>
+          <a:p>
+            <a:pPr>
+              <a:defRPr/>
+            </a:pPr>
+            <a:r>
+              <a:rPr/>
+              <a:t>Lata, miesiące, dni oraz imiona, oddzielone średnikiem, zapisano w osobnych linijkach.</a:t>
+            </a:r>
+            <a:endParaRPr/>
+          </a:p>
+          <a:p>
+            <a:pPr>
+              <a:defRPr/>
+            </a:pPr>
+            <a:r>
+              <a:rPr/>
+              <a:t>Dane są uszkodzone – zamiast zer pojawiają się literki „o”, a wielkość znaków w imionach jest losowa</a:t>
+            </a:r>
+            <a:endParaRPr/>
+          </a:p>
+          <a:p>
+            <a:pPr>
+              <a:defRPr/>
+            </a:pPr>
+            <a:r>
+              <a:rPr/>
+              <a:t>Przetwórz i zapisz do osobnego pliku dane tak, żeby w każdej linijce było jedno imię i jedna data</a:t>
+            </a:r>
+            <a:endParaRPr/>
+          </a:p>
+          <a:p>
+            <a:pPr>
+              <a:defRPr/>
+            </a:pPr>
+            <a:r>
+              <a:rPr/>
+              <a:t>Format powinien wyglądać tak: imię: rok-miesiąc-dzień (bonusowe punkty za użycie polecenia format)</a:t>
+            </a:r>
+            <a:endParaRPr/>
+          </a:p>
+        </p:txBody>
+      </p:sp>
+    </p:spTree>
+  </p:cSld>
+  <p:clrMapOvr>
+    <a:masterClrMapping/>
+  </p:clrMapOvr>
+  <mc:AlternateContent xmlns:mc="http://schemas.openxmlformats.org/markup-compatibility/2006">
+    <mc:Choice xmlns:p159="http://schemas.microsoft.com/office/powerpoint/2015/09/main" xmlns:p14="http://schemas.microsoft.com/office/powerpoint/2010/main" Requires="p159">
+      <p:transition p14:dur="2000" advClick="1"/>
+    </mc:Choice>
+    <mc:Fallback>
+      <p:transition advClick="1"/>
+    </mc:Fallback>
+  </mc:AlternateContent>
+</p:sld>
+</file>
+
+<file path=ppt/slides/slide14.xml><?xml version="1.0" encoding="utf-8"?>
+<p:sld xmlns:a="http://schemas.openxmlformats.org/drawingml/2006/main" xmlns:r="http://schemas.openxmlformats.org/officeDocument/2006/relationships" xmlns:p="http://schemas.openxmlformats.org/presentationml/2006/main" xmlns:m="http://schemas.openxmlformats.org/officeDocument/2006/math" xmlns:w="http://schemas.openxmlformats.org/wordprocessingml/2006/main" showMasterPhAnim="0" show="1">
+  <p:cSld name="">
+    <p:spTree>
+      <p:nvGrpSpPr>
+        <p:cNvPr id="1" name=""/>
+        <p:cNvGrpSpPr/>
+        <p:nvPr/>
+      </p:nvGrpSpPr>
+      <p:grpSpPr bwMode="auto">
+        <a:xfrm>
+          <a:off x="0" y="0"/>
+          <a:ext cx="0" cy="0"/>
+          <a:chOff x="0" y="0"/>
+          <a:chExt cx="0" cy="0"/>
+        </a:xfrm>
+      </p:grpSpPr>
+      <p:sp>
+        <p:nvSpPr>
+          <p:cNvPr id="1518862084" name="Заголовок 1"/>
+          <p:cNvSpPr>
+            <a:spLocks noGrp="1"/>
+          </p:cNvSpPr>
+          <p:nvPr>
+            <p:ph type="title"/>
+          </p:nvPr>
+        </p:nvSpPr>
+        <p:spPr bwMode="auto"/>
+        <p:txBody>
+          <a:bodyPr/>
+          <a:lstStyle/>
+          <a:p>
+            <a:pPr>
+              <a:defRPr/>
+            </a:pPr>
+            <a:r>
+              <a:rPr/>
+              <a:t>Odczytywanie zawartości katalogu</a:t>
+            </a:r>
+            <a:endParaRPr/>
+          </a:p>
+        </p:txBody>
+      </p:sp>
+      <p:sp>
+        <p:nvSpPr>
+          <p:cNvPr id="1492158509" name="Объект 2"/>
+          <p:cNvSpPr>
+            <a:spLocks noGrp="1"/>
+          </p:cNvSpPr>
+          <p:nvPr>
+            <p:ph idx="1"/>
+          </p:nvPr>
+        </p:nvSpPr>
+        <p:spPr bwMode="auto"/>
+        <p:txBody>
+          <a:bodyPr/>
+          <a:lstStyle/>
+          <a:p>
+            <a:pPr>
+              <a:defRPr/>
+            </a:pPr>
+            <a:endParaRPr/>
+          </a:p>
+        </p:txBody>
+      </p:sp>
+    </p:spTree>
+  </p:cSld>
+  <p:clrMapOvr>
+    <a:masterClrMapping/>
+  </p:clrMapOvr>
+  <mc:AlternateContent xmlns:mc="http://schemas.openxmlformats.org/markup-compatibility/2006">
+    <mc:Choice xmlns:p159="http://schemas.microsoft.com/office/powerpoint/2015/09/main" xmlns:p14="http://schemas.microsoft.com/office/powerpoint/2010/main" Requires="p159">
+      <p:transition p14:dur="2000" advClick="1"/>
+    </mc:Choice>
+    <mc:Fallback>
+      <p:transition advClick="1"/>
+    </mc:Fallback>
+  </mc:AlternateContent>
+</p:sld>
+</file>
+
+<file path=ppt/slides/slide15.xml><?xml version="1.0" encoding="utf-8"?>
 <p:sld xmlns:a="http://schemas.openxmlformats.org/drawingml/2006/main" xmlns:r="http://schemas.openxmlformats.org/officeDocument/2006/relationships" xmlns:p="http://schemas.openxmlformats.org/presentationml/2006/main" xmlns:m="http://schemas.openxmlformats.org/officeDocument/2006/math" xmlns:w="http://schemas.openxmlformats.org/wordprocessingml/2006/main" showMasterPhAnim="0" show="1">
   <p:cSld name="">
     <p:spTree>

--- a/EverydayPython/EverydayPython.pptx
+++ b/EverydayPython/EverydayPython.pptx
@@ -8720,6 +8720,64 @@
               <a:defRPr/>
             </a:pPr>
             <a:r>
+              <a:rPr lang="pl-PL" sz="3200" b="0" i="0" u="sng" strike="noStrike" cap="none" spc="0">
+                <a:solidFill>
+                  <a:schemeClr val="accent6">
+                    <a:lumMod val="50000"/>
+                  </a:schemeClr>
+                </a:solidFill>
+                <a:latin typeface="Arial"/>
+                <a:ea typeface="Arial"/>
+                <a:cs typeface="Arial"/>
+                <a:hlinkClick r:id="rId5" tooltip="https://stackoverflow.com/questions/1466000/difference-between-modes-a-a-w-w-and-r-in-built-in-open-function"/>
+              </a:rPr>
+              <a:t>https://stackoverflow.com/questions/1466000/difference-between-modes-a-a-w-w-and-r-in-built-in-open-function</a:t>
+            </a:r>
+            <a:endParaRPr lang="pl-PL" sz="3200" b="0" i="0" u="none" strike="noStrike" cap="none" spc="0">
+              <a:solidFill>
+                <a:schemeClr val="accent6">
+                  <a:lumMod val="50000"/>
+                </a:schemeClr>
+              </a:solidFill>
+              <a:latin typeface="Arial"/>
+              <a:ea typeface="Arial"/>
+              <a:cs typeface="Arial"/>
+            </a:endParaRPr>
+          </a:p>
+          <a:p>
+            <a:pPr>
+              <a:defRPr/>
+            </a:pPr>
+            <a:r>
+              <a:rPr lang="pl-PL" sz="3200" b="0" i="0" u="sng" strike="noStrike" cap="none" spc="0">
+                <a:solidFill>
+                  <a:schemeClr val="accent6">
+                    <a:lumMod val="50000"/>
+                  </a:schemeClr>
+                </a:solidFill>
+                <a:latin typeface="Arial"/>
+                <a:ea typeface="Arial"/>
+                <a:cs typeface="Arial"/>
+                <a:hlinkClick r:id="rId6" tooltip="http://www.geeksforgeeks.org"/>
+              </a:rPr>
+              <a:t>www.geeksforgeeks.org</a:t>
+            </a:r>
+            <a:endParaRPr lang="pl-PL" sz="3200" b="0" i="0" u="none" strike="noStrike" cap="none" spc="0">
+              <a:solidFill>
+                <a:schemeClr val="accent6">
+                  <a:lumMod val="50000"/>
+                </a:schemeClr>
+              </a:solidFill>
+              <a:latin typeface="Arial"/>
+              <a:ea typeface="Arial"/>
+              <a:cs typeface="Arial"/>
+            </a:endParaRPr>
+          </a:p>
+          <a:p>
+            <a:pPr>
+              <a:defRPr/>
+            </a:pPr>
+            <a:r>
               <a:rPr lang="pl-PL" sz="3200" b="0" i="0" u="none" strike="noStrike" cap="none" spc="0">
                 <a:solidFill>
                   <a:schemeClr val="accent6">
@@ -8730,9 +8788,9 @@
                 <a:ea typeface="Arial"/>
                 <a:cs typeface="Arial"/>
               </a:rPr>
-              <a:t>https://stackoverflow.com/questions/1466000/difference-between-modes-a-a-w-w-and-r-in-built-in-open-function</a:t>
-            </a:r>
-            <a:endParaRPr/>
+              <a:t>https://www.w3schools.com/</a:t>
+            </a:r>
+            <a:endParaRPr lang="pl-PL"/>
           </a:p>
           <a:p>
             <a:pPr>

--- a/EverydayPython/EverydayPython.pptx
+++ b/EverydayPython/EverydayPython.pptx
@@ -5,7 +5,7 @@
     <p:sldMasterId id="2147483648" r:id="rId1"/>
   </p:sldMasterIdLst>
   <p:notesMasterIdLst>
-    <p:notesMasterId r:id="rId19"/>
+    <p:notesMasterId r:id="rId21"/>
   </p:notesMasterIdLst>
   <p:sldIdLst>
     <p:sldId id="256" r:id="rId4"/>
@@ -23,6 +23,8 @@
     <p:sldId id="268" r:id="rId16"/>
     <p:sldId id="269" r:id="rId17"/>
     <p:sldId id="270" r:id="rId18"/>
+    <p:sldId id="271" r:id="rId19"/>
+    <p:sldId id="272" r:id="rId20"/>
   </p:sldIdLst>
   <p:sldSz cx="12192000" cy="6858000"/>
   <p:notesSz cx="6858000" cy="9144000"/>
@@ -985,7 +987,7 @@
             <a:pPr>
               <a:defRPr/>
             </a:pPr>
-            <a:fld id="{9EEF7773-C797-AA8E-97E3-CEFDF2643DAF}" type="slidenum">
+            <a:fld id="{8A5019DB-F1C1-F6FC-5925-198006802D1A}" type="slidenum">
               <a:rPr/>
               <a:t/>
             </a:fld>
@@ -999,6 +1001,170 @@
 </file>
 
 <file path=ppt/notesSlides/notesSlide15.xml><?xml version="1.0" encoding="utf-8"?>
+<p:notes xmlns:a="http://schemas.openxmlformats.org/drawingml/2006/main" xmlns:r="http://schemas.openxmlformats.org/officeDocument/2006/relationships" xmlns:p="http://schemas.openxmlformats.org/presentationml/2006/main" xmlns:m="http://schemas.openxmlformats.org/officeDocument/2006/math" xmlns:w="http://schemas.openxmlformats.org/wordprocessingml/2006/main">
+  <p:cSld name="">
+    <p:spTree>
+      <p:nvGrpSpPr>
+        <p:cNvPr id="1" name=""/>
+        <p:cNvGrpSpPr/>
+        <p:nvPr/>
+      </p:nvGrpSpPr>
+      <p:grpSpPr bwMode="auto">
+        <a:xfrm>
+          <a:off x="0" y="0"/>
+          <a:ext cx="0" cy="0"/>
+          <a:chOff x="0" y="0"/>
+          <a:chExt cx="0" cy="0"/>
+        </a:xfrm>
+      </p:grpSpPr>
+      <p:sp>
+        <p:nvSpPr>
+          <p:cNvPr id="2" name="Slide Image Placeholder 1"/>
+          <p:cNvSpPr>
+            <a:spLocks noChangeAspect="1" noGrp="1" noRot="1"/>
+          </p:cNvSpPr>
+          <p:nvPr>
+            <p:ph type="sldImg"/>
+          </p:nvPr>
+        </p:nvSpPr>
+        <p:spPr bwMode="auto"/>
+      </p:sp>
+      <p:sp>
+        <p:nvSpPr>
+          <p:cNvPr id="3" name="Notes Placeholder 2"/>
+          <p:cNvSpPr>
+            <a:spLocks noGrp="1"/>
+          </p:cNvSpPr>
+          <p:nvPr>
+            <p:ph type="body" idx="1"/>
+          </p:nvPr>
+        </p:nvSpPr>
+        <p:spPr bwMode="auto"/>
+        <p:txBody>
+          <a:bodyPr/>
+          <a:lstStyle/>
+          <a:p>
+            <a:pPr>
+              <a:defRPr/>
+            </a:pPr>
+            <a:endParaRPr/>
+          </a:p>
+        </p:txBody>
+      </p:sp>
+      <p:sp>
+        <p:nvSpPr>
+          <p:cNvPr id="4" name="Slide Number Placeholder 3"/>
+          <p:cNvSpPr>
+            <a:spLocks noGrp="1"/>
+          </p:cNvSpPr>
+          <p:nvPr>
+            <p:ph type="sldNum" sz="quarter" idx="10"/>
+          </p:nvPr>
+        </p:nvSpPr>
+        <p:spPr bwMode="auto"/>
+        <p:txBody>
+          <a:bodyPr/>
+          <a:lstStyle/>
+          <a:p>
+            <a:pPr>
+              <a:defRPr/>
+            </a:pPr>
+            <a:fld id="{13F40A70-9ADA-7593-C9B9-48094435FACF}" type="slidenum">
+              <a:rPr/>
+              <a:t/>
+            </a:fld>
+            <a:endParaRPr/>
+          </a:p>
+        </p:txBody>
+      </p:sp>
+    </p:spTree>
+  </p:cSld>
+</p:notes>
+</file>
+
+<file path=ppt/notesSlides/notesSlide16.xml><?xml version="1.0" encoding="utf-8"?>
+<p:notes xmlns:a="http://schemas.openxmlformats.org/drawingml/2006/main" xmlns:r="http://schemas.openxmlformats.org/officeDocument/2006/relationships" xmlns:p="http://schemas.openxmlformats.org/presentationml/2006/main" xmlns:m="http://schemas.openxmlformats.org/officeDocument/2006/math" xmlns:w="http://schemas.openxmlformats.org/wordprocessingml/2006/main">
+  <p:cSld name="">
+    <p:spTree>
+      <p:nvGrpSpPr>
+        <p:cNvPr id="1" name=""/>
+        <p:cNvGrpSpPr/>
+        <p:nvPr/>
+      </p:nvGrpSpPr>
+      <p:grpSpPr bwMode="auto">
+        <a:xfrm>
+          <a:off x="0" y="0"/>
+          <a:ext cx="0" cy="0"/>
+          <a:chOff x="0" y="0"/>
+          <a:chExt cx="0" cy="0"/>
+        </a:xfrm>
+      </p:grpSpPr>
+      <p:sp>
+        <p:nvSpPr>
+          <p:cNvPr id="2" name="Slide Image Placeholder 1"/>
+          <p:cNvSpPr>
+            <a:spLocks noChangeAspect="1" noGrp="1" noRot="1"/>
+          </p:cNvSpPr>
+          <p:nvPr>
+            <p:ph type="sldImg"/>
+          </p:nvPr>
+        </p:nvSpPr>
+        <p:spPr bwMode="auto"/>
+      </p:sp>
+      <p:sp>
+        <p:nvSpPr>
+          <p:cNvPr id="3" name="Notes Placeholder 2"/>
+          <p:cNvSpPr>
+            <a:spLocks noGrp="1"/>
+          </p:cNvSpPr>
+          <p:nvPr>
+            <p:ph type="body" idx="1"/>
+          </p:nvPr>
+        </p:nvSpPr>
+        <p:spPr bwMode="auto"/>
+        <p:txBody>
+          <a:bodyPr/>
+          <a:lstStyle/>
+          <a:p>
+            <a:pPr>
+              <a:defRPr/>
+            </a:pPr>
+            <a:endParaRPr/>
+          </a:p>
+        </p:txBody>
+      </p:sp>
+      <p:sp>
+        <p:nvSpPr>
+          <p:cNvPr id="4" name="Slide Number Placeholder 3"/>
+          <p:cNvSpPr>
+            <a:spLocks noGrp="1"/>
+          </p:cNvSpPr>
+          <p:nvPr>
+            <p:ph type="sldNum" sz="quarter" idx="10"/>
+          </p:nvPr>
+        </p:nvSpPr>
+        <p:spPr bwMode="auto"/>
+        <p:txBody>
+          <a:bodyPr/>
+          <a:lstStyle/>
+          <a:p>
+            <a:pPr>
+              <a:defRPr/>
+            </a:pPr>
+            <a:fld id="{9EEF7773-C797-AA8E-97E3-CEFDF2643DAF}" type="slidenum">
+              <a:rPr/>
+              <a:t/>
+            </a:fld>
+            <a:endParaRPr/>
+          </a:p>
+        </p:txBody>
+      </p:sp>
+    </p:spTree>
+  </p:cSld>
+</p:notes>
+</file>
+
+<file path=ppt/notesSlides/notesSlide17.xml><?xml version="1.0" encoding="utf-8"?>
 <p:notes xmlns:a="http://schemas.openxmlformats.org/drawingml/2006/main" xmlns:r="http://schemas.openxmlformats.org/officeDocument/2006/relationships" xmlns:p="http://schemas.openxmlformats.org/presentationml/2006/main" xmlns:m="http://schemas.openxmlformats.org/officeDocument/2006/math" xmlns:w="http://schemas.openxmlformats.org/wordprocessingml/2006/main">
   <p:cSld name="">
     <p:spTree>
@@ -7884,7 +8050,9 @@
         </p:nvSpPr>
         <p:spPr bwMode="auto"/>
         <p:txBody>
-          <a:bodyPr/>
+          <a:bodyPr vertOverflow="overflow" horzOverflow="overflow" vert="horz" wrap="square" lIns="91440" tIns="45720" rIns="91440" bIns="45720" numCol="1" spcCol="0" rtlCol="0" fromWordArt="0" anchor="t" anchorCtr="0" forceAA="0" upright="0" compatLnSpc="0">
+            <a:normAutofit fontScale="95000" lnSpcReduction="1000"/>
+          </a:bodyPr>
           <a:lstStyle/>
           <a:p>
             <a:pPr>
@@ -7907,52 +8075,70 @@
             <a:endParaRPr/>
           </a:p>
           <a:p>
+            <a:pPr>
+              <a:defRPr/>
+            </a:pPr>
+            <a:r>
+              <a:rPr/>
+              <a:t>Znowu otwórz plik</a:t>
+            </a:r>
+            <a:endParaRPr/>
+          </a:p>
+          <a:p>
+            <a:pPr>
+              <a:defRPr/>
+            </a:pPr>
+            <a:r>
+              <a:rPr/>
+              <a:t>Odczytaj zawartość pliku i wyświetl ją na ekranie</a:t>
+            </a:r>
+            <a:endParaRPr/>
+          </a:p>
+          <a:p>
+            <a:pPr>
+              <a:defRPr/>
+            </a:pPr>
+            <a:r>
+              <a:rPr/>
+              <a:t>Dopisz kilka linijek do pliku i powtórz poprzedni krok.</a:t>
+            </a:r>
+            <a:br>
+              <a:rPr/>
+            </a:br>
+            <a:endParaRPr/>
+          </a:p>
+          <a:p>
+            <a:pPr>
+              <a:defRPr/>
+            </a:pPr>
+            <a:r>
+              <a:rPr/>
+              <a:t>Bonus: spróbuj zrobić to, nie zamykając pliku</a:t>
+            </a:r>
+            <a:endParaRPr/>
+          </a:p>
+          <a:p>
             <a:pPr lvl="1">
               <a:defRPr/>
             </a:pPr>
             <a:r>
-              <a:rPr/>
-              <a:t>Czy jesteś w stanie zrobić to bez zamykania pliku (seek)?</a:t>
-            </a:r>
-            <a:endParaRPr/>
-          </a:p>
-          <a:p>
-            <a:pPr lvl="1">
-              <a:defRPr/>
-            </a:pPr>
-            <a:r>
-              <a:rPr/>
-              <a:t>Spróbuj wpisać tablicę stringów.</a:t>
-            </a:r>
-            <a:endParaRPr/>
-          </a:p>
-          <a:p>
-            <a:pPr>
-              <a:defRPr/>
-            </a:pPr>
-            <a:r>
-              <a:rPr/>
-              <a:t>Znowu otwórz plik</a:t>
-            </a:r>
-            <a:endParaRPr/>
-          </a:p>
-          <a:p>
-            <a:pPr>
-              <a:defRPr/>
-            </a:pPr>
-            <a:r>
-              <a:rPr/>
-              <a:t>Odczytaj zawartość pliku i wyświetl ją na ekranie</a:t>
-            </a:r>
-            <a:endParaRPr/>
-          </a:p>
-          <a:p>
-            <a:pPr>
-              <a:defRPr/>
-            </a:pPr>
-            <a:r>
-              <a:rPr/>
-              <a:t>Dopisz kilka linijek do pliku i powtórz poprzedni krok.</a:t>
+              <a:rPr>
+                <a:latin typeface="Nimbus Mono PS"/>
+                <a:ea typeface="Nimbus Mono PS"/>
+                <a:cs typeface="Nimbus Mono PS"/>
+              </a:rPr>
+              <a:t>file.seek(A,B)</a:t>
+            </a:r>
+            <a:r>
+              <a:rPr/>
+              <a:t> - przesuwa kursor o A pozycji od punktu B</a:t>
+            </a:r>
+            <a:br>
+              <a:rPr/>
+            </a:br>
+            <a:r>
+              <a:rPr/>
+              <a:t>B: 0 = początek pliku, 1 = aktualna pozycja, 2 = koniec pliku</a:t>
             </a:r>
             <a:endParaRPr/>
           </a:p>
@@ -8538,7 +8724,7 @@
       </p:grpSpPr>
       <p:sp>
         <p:nvSpPr>
-          <p:cNvPr id="1518862084" name="Заголовок 1"/>
+          <p:cNvPr id="1815292273" name="Заголовок 1"/>
           <p:cNvSpPr>
             <a:spLocks noGrp="1"/>
           </p:cNvSpPr>
@@ -8556,15 +8742,15 @@
             </a:pPr>
             <a:r>
               <a:rPr/>
-              <a:t>Odczytywanie zawartości katalogu</a:t>
-            </a:r>
-            <a:endParaRPr/>
-          </a:p>
-        </p:txBody>
-      </p:sp>
-      <p:sp>
-        <p:nvSpPr>
-          <p:cNvPr id="1492158509" name="Объект 2"/>
+              <a:t>Wykresy</a:t>
+            </a:r>
+            <a:endParaRPr/>
+          </a:p>
+        </p:txBody>
+      </p:sp>
+      <p:sp>
+        <p:nvSpPr>
+          <p:cNvPr id="1099099869" name="Объект 2"/>
           <p:cNvSpPr>
             <a:spLocks noGrp="1"/>
           </p:cNvSpPr>
@@ -8576,6 +8762,47 @@
         <p:txBody>
           <a:bodyPr/>
           <a:lstStyle/>
+          <a:p>
+            <a:pPr>
+              <a:defRPr/>
+            </a:pPr>
+            <a:r>
+              <a:rPr/>
+              <a:t>Często zdarza się, że podczas obrabiania danych musimy je zwizualizować</a:t>
+            </a:r>
+            <a:endParaRPr/>
+          </a:p>
+          <a:p>
+            <a:pPr>
+              <a:defRPr/>
+            </a:pPr>
+            <a:r>
+              <a:rPr/>
+              <a:t>Z pomocą przychodzi nam biblioteka matplotlib</a:t>
+            </a:r>
+            <a:endParaRPr/>
+          </a:p>
+          <a:p>
+            <a:pPr>
+              <a:defRPr/>
+            </a:pPr>
+            <a:r>
+              <a:rPr/>
+              <a:t>Zwykle importujemy ją jako</a:t>
+            </a:r>
+            <a:br>
+              <a:rPr/>
+            </a:br>
+            <a:r>
+              <a:rPr>
+                <a:latin typeface="Nimbus Mono PS"/>
+                <a:ea typeface="Nimbus Mono PS"/>
+                <a:cs typeface="Nimbus Mono PS"/>
+              </a:rPr>
+              <a:t>import matplotlib.pyplot as plt</a:t>
+            </a:r>
+            <a:endParaRPr/>
+          </a:p>
           <a:p>
             <a:pPr>
               <a:defRPr/>
@@ -8619,7 +8846,7 @@
       </p:grpSpPr>
       <p:sp>
         <p:nvSpPr>
-          <p:cNvPr id="1432733166" name="Заголовок 1"/>
+          <p:cNvPr id="2092096514" name="Заголовок 1"/>
           <p:cNvSpPr>
             <a:spLocks noGrp="1"/>
           </p:cNvSpPr>
@@ -8637,6 +8864,309 @@
             </a:pPr>
             <a:r>
               <a:rPr/>
+              <a:t>Podstawowe funkcje</a:t>
+            </a:r>
+            <a:endParaRPr/>
+          </a:p>
+        </p:txBody>
+      </p:sp>
+      <p:sp>
+        <p:nvSpPr>
+          <p:cNvPr id="1716268342" name="Объект 2"/>
+          <p:cNvSpPr>
+            <a:spLocks noGrp="1"/>
+          </p:cNvSpPr>
+          <p:nvPr>
+            <p:ph idx="1"/>
+          </p:nvPr>
+        </p:nvSpPr>
+        <p:spPr bwMode="auto">
+          <a:xfrm>
+            <a:off x="799252" y="1600202"/>
+            <a:ext cx="10577332" cy="4525961"/>
+          </a:xfrm>
+        </p:spPr>
+        <p:txBody>
+          <a:bodyPr vertOverflow="overflow" horzOverflow="overflow" vert="horz" wrap="square" lIns="91440" tIns="45720" rIns="91440" bIns="45720" numCol="1" spcCol="0" rtlCol="0" fromWordArt="0" anchor="t" anchorCtr="0" forceAA="0" upright="0" compatLnSpc="0">
+            <a:normAutofit/>
+          </a:bodyPr>
+          <a:lstStyle/>
+          <a:p>
+            <a:pPr>
+              <a:defRPr/>
+            </a:pPr>
+            <a:r>
+              <a:rPr sz="2800">
+                <a:latin typeface="Nimbus Mono PS"/>
+                <a:ea typeface="Nimbus Mono PS"/>
+                <a:cs typeface="Nimbus Mono PS"/>
+              </a:rPr>
+              <a:t>plt.plot(x,y)</a:t>
+            </a:r>
+            <a:r>
+              <a:rPr/>
+              <a:t> – tworzy wykres liniowy (w pamięci)</a:t>
+            </a:r>
+            <a:endParaRPr/>
+          </a:p>
+          <a:p>
+            <a:pPr>
+              <a:defRPr/>
+            </a:pPr>
+            <a:r>
+              <a:rPr sz="2800">
+                <a:latin typeface="Nimbus Mono PS"/>
+                <a:ea typeface="Nimbus Mono PS"/>
+                <a:cs typeface="Nimbus Mono PS"/>
+              </a:rPr>
+              <a:t>plt.show() </a:t>
+            </a:r>
+            <a:r>
+              <a:rPr/>
+              <a:t>– pokazuje utworzony wcześniej wykres i zatrzymuje program aż do jego zamknięcia</a:t>
+            </a:r>
+            <a:endParaRPr/>
+          </a:p>
+          <a:p>
+            <a:pPr>
+              <a:defRPr/>
+            </a:pPr>
+            <a:r>
+              <a:rPr sz="2800">
+                <a:latin typeface="Nimbus Mono PS"/>
+                <a:ea typeface="Nimbus Mono PS"/>
+                <a:cs typeface="Nimbus Mono PS"/>
+              </a:rPr>
+              <a:t>plt.hist(x, n_bins)</a:t>
+            </a:r>
+            <a:r>
+              <a:rPr/>
+              <a:t> – tworzy histogram</a:t>
+            </a:r>
+            <a:endParaRPr/>
+          </a:p>
+          <a:p>
+            <a:pPr>
+              <a:defRPr/>
+            </a:pPr>
+            <a:r>
+              <a:rPr lang="pl-PL" sz="2800" b="0" i="0" u="none" strike="noStrike" cap="none" spc="0">
+                <a:solidFill>
+                  <a:schemeClr val="accent6">
+                    <a:lumMod val="50000"/>
+                  </a:schemeClr>
+                </a:solidFill>
+                <a:latin typeface="Nimbus Mono PS"/>
+                <a:ea typeface="Nimbus Mono PS"/>
+                <a:cs typeface="Nimbus Mono PS"/>
+              </a:rPr>
+              <a:t>plt.pie(x, labels) </a:t>
+            </a:r>
+            <a:r>
+              <a:rPr lang="pl-PL" sz="3200" b="0" i="0" u="none" strike="noStrike" cap="none" spc="0">
+                <a:solidFill>
+                  <a:schemeClr val="accent6">
+                    <a:lumMod val="50000"/>
+                  </a:schemeClr>
+                </a:solidFill>
+                <a:latin typeface="Arial"/>
+                <a:ea typeface="Arial"/>
+                <a:cs typeface="Arial"/>
+              </a:rPr>
+              <a:t>– tworzy wykres kołowy</a:t>
+            </a:r>
+            <a:endParaRPr/>
+          </a:p>
+          <a:p>
+            <a:pPr>
+              <a:defRPr/>
+            </a:pPr>
+            <a:r>
+              <a:rPr sz="2800">
+                <a:latin typeface="Nimbus Mono PS"/>
+                <a:ea typeface="Nimbus Mono PS"/>
+                <a:cs typeface="Nimbus Mono PS"/>
+              </a:rPr>
+              <a:t>plt.title(str) </a:t>
+            </a:r>
+            <a:r>
+              <a:rPr/>
+              <a:t>– nadaje tytuł wykresowi</a:t>
+            </a:r>
+            <a:endParaRPr/>
+          </a:p>
+          <a:p>
+            <a:pPr>
+              <a:defRPr/>
+            </a:pPr>
+            <a:r>
+              <a:rPr sz="2800">
+                <a:latin typeface="Nimbus Mono PS"/>
+                <a:ea typeface="Nimbus Mono PS"/>
+                <a:cs typeface="Nimbus Mono PS"/>
+              </a:rPr>
+              <a:t>plt.xlabel(str), plt.ylabel(str)</a:t>
+            </a:r>
+            <a:r>
+              <a:rPr/>
+              <a:t> – etykiety osi</a:t>
+            </a:r>
+            <a:endParaRPr/>
+          </a:p>
+          <a:p>
+            <a:pPr>
+              <a:defRPr/>
+            </a:pPr>
+            <a:r>
+              <a:rPr sz="2800">
+                <a:latin typeface="Nimbus Mono PS"/>
+                <a:ea typeface="Nimbus Mono PS"/>
+                <a:cs typeface="Nimbus Mono PS"/>
+              </a:rPr>
+              <a:t>plt.axis(arr)</a:t>
+            </a:r>
+            <a:r>
+              <a:rPr/>
+              <a:t> – wartośći na osiach</a:t>
+            </a:r>
+            <a:endParaRPr/>
+          </a:p>
+        </p:txBody>
+      </p:sp>
+    </p:spTree>
+  </p:cSld>
+  <p:clrMapOvr>
+    <a:masterClrMapping/>
+  </p:clrMapOvr>
+  <mc:AlternateContent xmlns:mc="http://schemas.openxmlformats.org/markup-compatibility/2006">
+    <mc:Choice xmlns:p159="http://schemas.microsoft.com/office/powerpoint/2015/09/main" xmlns:p14="http://schemas.microsoft.com/office/powerpoint/2010/main" Requires="p159">
+      <p:transition p14:dur="2000" advClick="1"/>
+    </mc:Choice>
+    <mc:Fallback>
+      <p:transition advClick="1"/>
+    </mc:Fallback>
+  </mc:AlternateContent>
+</p:sld>
+</file>
+
+<file path=ppt/slides/slide16.xml><?xml version="1.0" encoding="utf-8"?>
+<p:sld xmlns:a="http://schemas.openxmlformats.org/drawingml/2006/main" xmlns:r="http://schemas.openxmlformats.org/officeDocument/2006/relationships" xmlns:p="http://schemas.openxmlformats.org/presentationml/2006/main" xmlns:m="http://schemas.openxmlformats.org/officeDocument/2006/math" xmlns:w="http://schemas.openxmlformats.org/wordprocessingml/2006/main" showMasterPhAnim="0" show="1">
+  <p:cSld name="">
+    <p:spTree>
+      <p:nvGrpSpPr>
+        <p:cNvPr id="1" name=""/>
+        <p:cNvGrpSpPr/>
+        <p:nvPr/>
+      </p:nvGrpSpPr>
+      <p:grpSpPr bwMode="auto">
+        <a:xfrm>
+          <a:off x="0" y="0"/>
+          <a:ext cx="0" cy="0"/>
+          <a:chOff x="0" y="0"/>
+          <a:chExt cx="0" cy="0"/>
+        </a:xfrm>
+      </p:grpSpPr>
+      <p:sp>
+        <p:nvSpPr>
+          <p:cNvPr id="1518862084" name="Заголовок 1"/>
+          <p:cNvSpPr>
+            <a:spLocks noGrp="1"/>
+          </p:cNvSpPr>
+          <p:nvPr>
+            <p:ph type="title"/>
+          </p:nvPr>
+        </p:nvSpPr>
+        <p:spPr bwMode="auto"/>
+        <p:txBody>
+          <a:bodyPr/>
+          <a:lstStyle/>
+          <a:p>
+            <a:pPr>
+              <a:defRPr/>
+            </a:pPr>
+            <a:r>
+              <a:rPr/>
+              <a:t>Odczytywanie zawartości katalogu</a:t>
+            </a:r>
+            <a:endParaRPr/>
+          </a:p>
+        </p:txBody>
+      </p:sp>
+      <p:sp>
+        <p:nvSpPr>
+          <p:cNvPr id="1492158509" name="Объект 2"/>
+          <p:cNvSpPr>
+            <a:spLocks noGrp="1"/>
+          </p:cNvSpPr>
+          <p:nvPr>
+            <p:ph idx="1"/>
+          </p:nvPr>
+        </p:nvSpPr>
+        <p:spPr bwMode="auto"/>
+        <p:txBody>
+          <a:bodyPr/>
+          <a:lstStyle/>
+          <a:p>
+            <a:pPr>
+              <a:defRPr/>
+            </a:pPr>
+            <a:endParaRPr/>
+          </a:p>
+        </p:txBody>
+      </p:sp>
+    </p:spTree>
+  </p:cSld>
+  <p:clrMapOvr>
+    <a:masterClrMapping/>
+  </p:clrMapOvr>
+  <mc:AlternateContent xmlns:mc="http://schemas.openxmlformats.org/markup-compatibility/2006">
+    <mc:Choice xmlns:p159="http://schemas.microsoft.com/office/powerpoint/2015/09/main" xmlns:p14="http://schemas.microsoft.com/office/powerpoint/2010/main" Requires="p159">
+      <p:transition p14:dur="2000" advClick="1"/>
+    </mc:Choice>
+    <mc:Fallback>
+      <p:transition advClick="1"/>
+    </mc:Fallback>
+  </mc:AlternateContent>
+</p:sld>
+</file>
+
+<file path=ppt/slides/slide17.xml><?xml version="1.0" encoding="utf-8"?>
+<p:sld xmlns:a="http://schemas.openxmlformats.org/drawingml/2006/main" xmlns:r="http://schemas.openxmlformats.org/officeDocument/2006/relationships" xmlns:p="http://schemas.openxmlformats.org/presentationml/2006/main" xmlns:m="http://schemas.openxmlformats.org/officeDocument/2006/math" xmlns:w="http://schemas.openxmlformats.org/wordprocessingml/2006/main" showMasterPhAnim="0" show="1">
+  <p:cSld name="">
+    <p:spTree>
+      <p:nvGrpSpPr>
+        <p:cNvPr id="1" name=""/>
+        <p:cNvGrpSpPr/>
+        <p:nvPr/>
+      </p:nvGrpSpPr>
+      <p:grpSpPr bwMode="auto">
+        <a:xfrm>
+          <a:off x="0" y="0"/>
+          <a:ext cx="0" cy="0"/>
+          <a:chOff x="0" y="0"/>
+          <a:chExt cx="0" cy="0"/>
+        </a:xfrm>
+      </p:grpSpPr>
+      <p:sp>
+        <p:nvSpPr>
+          <p:cNvPr id="1432733166" name="Заголовок 1"/>
+          <p:cNvSpPr>
+            <a:spLocks noGrp="1"/>
+          </p:cNvSpPr>
+          <p:nvPr>
+            <p:ph type="title"/>
+          </p:nvPr>
+        </p:nvSpPr>
+        <p:spPr bwMode="auto"/>
+        <p:txBody>
+          <a:bodyPr/>
+          <a:lstStyle/>
+          <a:p>
+            <a:pPr>
+              <a:defRPr/>
+            </a:pPr>
+            <a:r>
+              <a:rPr/>
               <a:t>Źródła</a:t>
             </a:r>
             <a:endParaRPr/>
@@ -8655,7 +9185,9 @@
         </p:nvSpPr>
         <p:spPr bwMode="auto"/>
         <p:txBody>
-          <a:bodyPr/>
+          <a:bodyPr vertOverflow="overflow" horzOverflow="overflow" vert="horz" wrap="square" lIns="91440" tIns="45720" rIns="91440" bIns="45720" numCol="1" spcCol="0" rtlCol="0" fromWordArt="0" anchor="t" anchorCtr="0" forceAA="0" upright="0" compatLnSpc="0">
+            <a:normAutofit fontScale="90000" lnSpcReduction="2000"/>
+          </a:bodyPr>
           <a:lstStyle/>
           <a:p>
             <a:pPr>
@@ -8778,6 +9310,64 @@
               <a:defRPr/>
             </a:pPr>
             <a:r>
+              <a:rPr lang="pl-PL" sz="3200" b="0" i="0" u="sng" strike="noStrike" cap="none" spc="0">
+                <a:solidFill>
+                  <a:schemeClr val="accent6">
+                    <a:lumMod val="50000"/>
+                  </a:schemeClr>
+                </a:solidFill>
+                <a:latin typeface="Arial"/>
+                <a:ea typeface="Arial"/>
+                <a:cs typeface="Arial"/>
+                <a:hlinkClick r:id="rId7" tooltip="https://www.w3schools.com/"/>
+              </a:rPr>
+              <a:t>https://www.w3schools.com/</a:t>
+            </a:r>
+            <a:endParaRPr lang="pl-PL" sz="3200" b="0" i="0" u="none" strike="noStrike" cap="none" spc="0">
+              <a:solidFill>
+                <a:schemeClr val="accent6">
+                  <a:lumMod val="50000"/>
+                </a:schemeClr>
+              </a:solidFill>
+              <a:latin typeface="Arial"/>
+              <a:ea typeface="Arial"/>
+              <a:cs typeface="Arial"/>
+            </a:endParaRPr>
+          </a:p>
+          <a:p>
+            <a:pPr>
+              <a:defRPr/>
+            </a:pPr>
+            <a:r>
+              <a:rPr lang="pl-PL" sz="3200" b="0" i="0" u="sng" strike="noStrike" cap="none" spc="0">
+                <a:solidFill>
+                  <a:schemeClr val="accent6">
+                    <a:lumMod val="50000"/>
+                  </a:schemeClr>
+                </a:solidFill>
+                <a:latin typeface="Arial"/>
+                <a:ea typeface="Arial"/>
+                <a:cs typeface="Arial"/>
+                <a:hlinkClick r:id="rId8" tooltip="https://shotkit.com/free-raw-photos/"/>
+              </a:rPr>
+              <a:t>https://shotkit.com/free-raw-photos/</a:t>
+            </a:r>
+            <a:endParaRPr lang="pl-PL" sz="3200" b="0" i="0" u="none" strike="noStrike" cap="none" spc="0">
+              <a:solidFill>
+                <a:schemeClr val="accent6">
+                  <a:lumMod val="50000"/>
+                </a:schemeClr>
+              </a:solidFill>
+              <a:latin typeface="Arial"/>
+              <a:ea typeface="Arial"/>
+              <a:cs typeface="Arial"/>
+            </a:endParaRPr>
+          </a:p>
+          <a:p>
+            <a:pPr>
+              <a:defRPr/>
+            </a:pPr>
+            <a:r>
               <a:rPr lang="pl-PL" sz="3200" b="0" i="0" u="none" strike="noStrike" cap="none" spc="0">
                 <a:solidFill>
                   <a:schemeClr val="accent6">
@@ -8788,7 +9378,7 @@
                 <a:ea typeface="Arial"/>
                 <a:cs typeface="Arial"/>
               </a:rPr>
-              <a:t>https://www.w3schools.com/</a:t>
+              <a:t>https://stackoverflow.com/questions/2547349/what-does-x-mean-in-c-c</a:t>
             </a:r>
             <a:endParaRPr lang="pl-PL"/>
           </a:p>
@@ -9459,9 +10049,9 @@
             </a:r>
             <a:r>
               <a:rPr/>
-              <a:t>: Read. Dane są czytane od początku pliku.</a:t>
-            </a:r>
-            <a:endParaRPr/>
+              <a:t>: Read. Dane są czytane od początku pliku. </a:t>
+            </a:r>
+            <a:endParaRPr sz="4800"/>
           </a:p>
           <a:p>
             <a:pPr lvl="1">
@@ -9477,7 +10067,7 @@
             </a:r>
             <a:r>
               <a:rPr/>
-              <a:t>: Write. Zawartość pliku zostaje usunięta i istnieje możliwość nadpisania jej nową. Jeśli plik nie istnieje, zostaje stworzony.</a:t>
+              <a:t>: Write. Zawartość pliku zostaje usunięta i istnieje możliwość nadpisania jej nową. Jeśli plik nie istnieje, zostaje stworzony. </a:t>
             </a:r>
             <a:endParaRPr/>
           </a:p>
@@ -9554,6 +10144,76 @@
             <a:endParaRPr/>
           </a:p>
         </p:txBody>
+      </p:sp>
+      <p:sp>
+        <p:nvSpPr>
+          <p:cNvPr id="1046406059" name=""/>
+          <p:cNvSpPr/>
+          <p:nvPr/>
+        </p:nvSpPr>
+        <p:spPr bwMode="auto">
+          <a:xfrm flipH="0" flipV="0">
+            <a:off x="8407499" y="2104360"/>
+            <a:ext cx="221511" cy="310116"/>
+          </a:xfrm>
+          <a:prstGeom prst="upArrow">
+            <a:avLst>
+              <a:gd name="adj1" fmla="val 50000"/>
+              <a:gd name="adj2" fmla="val 50000"/>
+            </a:avLst>
+          </a:prstGeom>
+        </p:spPr>
+        <p:style>
+          <a:lnRef idx="2">
+            <a:schemeClr val="accent1">
+              <a:shade val="50000"/>
+            </a:schemeClr>
+          </a:lnRef>
+          <a:fillRef idx="1">
+            <a:schemeClr val="accent1"/>
+          </a:fillRef>
+          <a:effectRef idx="0">
+            <a:schemeClr val="accent1"/>
+          </a:effectRef>
+          <a:fontRef idx="minor">
+            <a:schemeClr val="lt1"/>
+          </a:fontRef>
+        </p:style>
+      </p:sp>
+      <p:sp>
+        <p:nvSpPr>
+          <p:cNvPr id="1702681305" name=""/>
+          <p:cNvSpPr/>
+          <p:nvPr/>
+        </p:nvSpPr>
+        <p:spPr bwMode="auto">
+          <a:xfrm rot="10799990" flipH="0" flipV="0">
+            <a:off x="10276615" y="2876992"/>
+            <a:ext cx="221510" cy="310115"/>
+          </a:xfrm>
+          <a:prstGeom prst="upArrow">
+            <a:avLst>
+              <a:gd name="adj1" fmla="val 50000"/>
+              <a:gd name="adj2" fmla="val 50000"/>
+            </a:avLst>
+          </a:prstGeom>
+        </p:spPr>
+        <p:style>
+          <a:lnRef idx="2">
+            <a:schemeClr val="accent1">
+              <a:shade val="50000"/>
+            </a:schemeClr>
+          </a:lnRef>
+          <a:fillRef idx="1">
+            <a:schemeClr val="accent1"/>
+          </a:fillRef>
+          <a:effectRef idx="0">
+            <a:schemeClr val="accent1"/>
+          </a:effectRef>
+          <a:fontRef idx="minor">
+            <a:schemeClr val="lt1"/>
+          </a:fontRef>
+        </p:style>
       </p:sp>
     </p:spTree>
   </p:cSld>

--- a/EverydayPython/EverydayPython.pptx
+++ b/EverydayPython/EverydayPython.pptx
@@ -5,7 +5,7 @@
     <p:sldMasterId id="2147483648" r:id="rId1"/>
   </p:sldMasterIdLst>
   <p:notesMasterIdLst>
-    <p:notesMasterId r:id="rId21"/>
+    <p:notesMasterId r:id="rId25"/>
   </p:notesMasterIdLst>
   <p:sldIdLst>
     <p:sldId id="256" r:id="rId4"/>
@@ -25,6 +25,10 @@
     <p:sldId id="270" r:id="rId18"/>
     <p:sldId id="271" r:id="rId19"/>
     <p:sldId id="272" r:id="rId20"/>
+    <p:sldId id="273" r:id="rId21"/>
+    <p:sldId id="274" r:id="rId22"/>
+    <p:sldId id="275" r:id="rId23"/>
+    <p:sldId id="276" r:id="rId24"/>
   </p:sldIdLst>
   <p:sldSz cx="12192000" cy="6858000"/>
   <p:notesSz cx="6858000" cy="9144000"/>
@@ -1151,7 +1155,7 @@
             <a:pPr>
               <a:defRPr/>
             </a:pPr>
-            <a:fld id="{9EEF7773-C797-AA8E-97E3-CEFDF2643DAF}" type="slidenum">
+            <a:fld id="{141764D9-20F4-5C00-849F-CF67BB7A5C2C}" type="slidenum">
               <a:rPr/>
               <a:t/>
             </a:fld>
@@ -1233,7 +1237,171 @@
             <a:pPr>
               <a:defRPr/>
             </a:pPr>
-            <a:fld id="{880CEE55-7315-9158-1B7D-DECAE3BF6F9F}" type="slidenum">
+            <a:fld id="{34466C8E-A953-6D7E-C109-6B59C6386404}" type="slidenum">
+              <a:rPr/>
+              <a:t/>
+            </a:fld>
+            <a:endParaRPr/>
+          </a:p>
+        </p:txBody>
+      </p:sp>
+    </p:spTree>
+  </p:cSld>
+</p:notes>
+</file>
+
+<file path=ppt/notesSlides/notesSlide18.xml><?xml version="1.0" encoding="utf-8"?>
+<p:notes xmlns:a="http://schemas.openxmlformats.org/drawingml/2006/main" xmlns:r="http://schemas.openxmlformats.org/officeDocument/2006/relationships" xmlns:p="http://schemas.openxmlformats.org/presentationml/2006/main" xmlns:m="http://schemas.openxmlformats.org/officeDocument/2006/math" xmlns:w="http://schemas.openxmlformats.org/wordprocessingml/2006/main">
+  <p:cSld name="">
+    <p:spTree>
+      <p:nvGrpSpPr>
+        <p:cNvPr id="1" name=""/>
+        <p:cNvGrpSpPr/>
+        <p:nvPr/>
+      </p:nvGrpSpPr>
+      <p:grpSpPr bwMode="auto">
+        <a:xfrm>
+          <a:off x="0" y="0"/>
+          <a:ext cx="0" cy="0"/>
+          <a:chOff x="0" y="0"/>
+          <a:chExt cx="0" cy="0"/>
+        </a:xfrm>
+      </p:grpSpPr>
+      <p:sp>
+        <p:nvSpPr>
+          <p:cNvPr id="2" name="Slide Image Placeholder 1"/>
+          <p:cNvSpPr>
+            <a:spLocks noChangeAspect="1" noGrp="1" noRot="1"/>
+          </p:cNvSpPr>
+          <p:nvPr>
+            <p:ph type="sldImg"/>
+          </p:nvPr>
+        </p:nvSpPr>
+        <p:spPr bwMode="auto"/>
+      </p:sp>
+      <p:sp>
+        <p:nvSpPr>
+          <p:cNvPr id="3" name="Notes Placeholder 2"/>
+          <p:cNvSpPr>
+            <a:spLocks noGrp="1"/>
+          </p:cNvSpPr>
+          <p:nvPr>
+            <p:ph type="body" idx="1"/>
+          </p:nvPr>
+        </p:nvSpPr>
+        <p:spPr bwMode="auto"/>
+        <p:txBody>
+          <a:bodyPr/>
+          <a:lstStyle/>
+          <a:p>
+            <a:pPr>
+              <a:defRPr/>
+            </a:pPr>
+            <a:endParaRPr/>
+          </a:p>
+        </p:txBody>
+      </p:sp>
+      <p:sp>
+        <p:nvSpPr>
+          <p:cNvPr id="4" name="Slide Number Placeholder 3"/>
+          <p:cNvSpPr>
+            <a:spLocks noGrp="1"/>
+          </p:cNvSpPr>
+          <p:nvPr>
+            <p:ph type="sldNum" sz="quarter" idx="10"/>
+          </p:nvPr>
+        </p:nvSpPr>
+        <p:spPr bwMode="auto"/>
+        <p:txBody>
+          <a:bodyPr/>
+          <a:lstStyle/>
+          <a:p>
+            <a:pPr>
+              <a:defRPr/>
+            </a:pPr>
+            <a:fld id="{0BD8D119-66DD-007A-A161-9D3013B27D81}" type="slidenum">
+              <a:rPr/>
+              <a:t/>
+            </a:fld>
+            <a:endParaRPr/>
+          </a:p>
+        </p:txBody>
+      </p:sp>
+    </p:spTree>
+  </p:cSld>
+</p:notes>
+</file>
+
+<file path=ppt/notesSlides/notesSlide19.xml><?xml version="1.0" encoding="utf-8"?>
+<p:notes xmlns:a="http://schemas.openxmlformats.org/drawingml/2006/main" xmlns:r="http://schemas.openxmlformats.org/officeDocument/2006/relationships" xmlns:p="http://schemas.openxmlformats.org/presentationml/2006/main" xmlns:m="http://schemas.openxmlformats.org/officeDocument/2006/math" xmlns:w="http://schemas.openxmlformats.org/wordprocessingml/2006/main">
+  <p:cSld name="">
+    <p:spTree>
+      <p:nvGrpSpPr>
+        <p:cNvPr id="1" name=""/>
+        <p:cNvGrpSpPr/>
+        <p:nvPr/>
+      </p:nvGrpSpPr>
+      <p:grpSpPr bwMode="auto">
+        <a:xfrm>
+          <a:off x="0" y="0"/>
+          <a:ext cx="0" cy="0"/>
+          <a:chOff x="0" y="0"/>
+          <a:chExt cx="0" cy="0"/>
+        </a:xfrm>
+      </p:grpSpPr>
+      <p:sp>
+        <p:nvSpPr>
+          <p:cNvPr id="2" name="Slide Image Placeholder 1"/>
+          <p:cNvSpPr>
+            <a:spLocks noChangeAspect="1" noGrp="1" noRot="1"/>
+          </p:cNvSpPr>
+          <p:nvPr>
+            <p:ph type="sldImg"/>
+          </p:nvPr>
+        </p:nvSpPr>
+        <p:spPr bwMode="auto"/>
+      </p:sp>
+      <p:sp>
+        <p:nvSpPr>
+          <p:cNvPr id="3" name="Notes Placeholder 2"/>
+          <p:cNvSpPr>
+            <a:spLocks noGrp="1"/>
+          </p:cNvSpPr>
+          <p:nvPr>
+            <p:ph type="body" idx="1"/>
+          </p:nvPr>
+        </p:nvSpPr>
+        <p:spPr bwMode="auto"/>
+        <p:txBody>
+          <a:bodyPr/>
+          <a:lstStyle/>
+          <a:p>
+            <a:pPr>
+              <a:defRPr/>
+            </a:pPr>
+            <a:endParaRPr/>
+          </a:p>
+        </p:txBody>
+      </p:sp>
+      <p:sp>
+        <p:nvSpPr>
+          <p:cNvPr id="4" name="Slide Number Placeholder 3"/>
+          <p:cNvSpPr>
+            <a:spLocks noGrp="1"/>
+          </p:cNvSpPr>
+          <p:nvPr>
+            <p:ph type="sldNum" sz="quarter" idx="10"/>
+          </p:nvPr>
+        </p:nvSpPr>
+        <p:spPr bwMode="auto"/>
+        <p:txBody>
+          <a:bodyPr/>
+          <a:lstStyle/>
+          <a:p>
+            <a:pPr>
+              <a:defRPr/>
+            </a:pPr>
+            <a:fld id="{6A9FFDCE-24AB-3C31-33AE-660BFB789B6F}" type="slidenum">
               <a:rPr/>
               <a:t/>
             </a:fld>
@@ -1316,6 +1484,170 @@
               <a:defRPr/>
             </a:pPr>
             <a:fld id="{670674FC-3019-1F51-2F73-336DEE69DF9A}" type="slidenum">
+              <a:rPr/>
+              <a:t/>
+            </a:fld>
+            <a:endParaRPr/>
+          </a:p>
+        </p:txBody>
+      </p:sp>
+    </p:spTree>
+  </p:cSld>
+</p:notes>
+</file>
+
+<file path=ppt/notesSlides/notesSlide20.xml><?xml version="1.0" encoding="utf-8"?>
+<p:notes xmlns:a="http://schemas.openxmlformats.org/drawingml/2006/main" xmlns:r="http://schemas.openxmlformats.org/officeDocument/2006/relationships" xmlns:p="http://schemas.openxmlformats.org/presentationml/2006/main" xmlns:m="http://schemas.openxmlformats.org/officeDocument/2006/math" xmlns:w="http://schemas.openxmlformats.org/wordprocessingml/2006/main">
+  <p:cSld name="">
+    <p:spTree>
+      <p:nvGrpSpPr>
+        <p:cNvPr id="1" name=""/>
+        <p:cNvGrpSpPr/>
+        <p:nvPr/>
+      </p:nvGrpSpPr>
+      <p:grpSpPr bwMode="auto">
+        <a:xfrm>
+          <a:off x="0" y="0"/>
+          <a:ext cx="0" cy="0"/>
+          <a:chOff x="0" y="0"/>
+          <a:chExt cx="0" cy="0"/>
+        </a:xfrm>
+      </p:grpSpPr>
+      <p:sp>
+        <p:nvSpPr>
+          <p:cNvPr id="2" name="Slide Image Placeholder 1"/>
+          <p:cNvSpPr>
+            <a:spLocks noChangeAspect="1" noGrp="1" noRot="1"/>
+          </p:cNvSpPr>
+          <p:nvPr>
+            <p:ph type="sldImg"/>
+          </p:nvPr>
+        </p:nvSpPr>
+        <p:spPr bwMode="auto"/>
+      </p:sp>
+      <p:sp>
+        <p:nvSpPr>
+          <p:cNvPr id="3" name="Notes Placeholder 2"/>
+          <p:cNvSpPr>
+            <a:spLocks noGrp="1"/>
+          </p:cNvSpPr>
+          <p:nvPr>
+            <p:ph type="body" idx="1"/>
+          </p:nvPr>
+        </p:nvSpPr>
+        <p:spPr bwMode="auto"/>
+        <p:txBody>
+          <a:bodyPr/>
+          <a:lstStyle/>
+          <a:p>
+            <a:pPr>
+              <a:defRPr/>
+            </a:pPr>
+            <a:endParaRPr/>
+          </a:p>
+        </p:txBody>
+      </p:sp>
+      <p:sp>
+        <p:nvSpPr>
+          <p:cNvPr id="4" name="Slide Number Placeholder 3"/>
+          <p:cNvSpPr>
+            <a:spLocks noGrp="1"/>
+          </p:cNvSpPr>
+          <p:nvPr>
+            <p:ph type="sldNum" sz="quarter" idx="10"/>
+          </p:nvPr>
+        </p:nvSpPr>
+        <p:spPr bwMode="auto"/>
+        <p:txBody>
+          <a:bodyPr/>
+          <a:lstStyle/>
+          <a:p>
+            <a:pPr>
+              <a:defRPr/>
+            </a:pPr>
+            <a:fld id="{6615AE12-06F0-D0B7-8459-DC334B4CA78C}" type="slidenum">
+              <a:rPr/>
+              <a:t/>
+            </a:fld>
+            <a:endParaRPr/>
+          </a:p>
+        </p:txBody>
+      </p:sp>
+    </p:spTree>
+  </p:cSld>
+</p:notes>
+</file>
+
+<file path=ppt/notesSlides/notesSlide21.xml><?xml version="1.0" encoding="utf-8"?>
+<p:notes xmlns:a="http://schemas.openxmlformats.org/drawingml/2006/main" xmlns:r="http://schemas.openxmlformats.org/officeDocument/2006/relationships" xmlns:p="http://schemas.openxmlformats.org/presentationml/2006/main" xmlns:m="http://schemas.openxmlformats.org/officeDocument/2006/math" xmlns:w="http://schemas.openxmlformats.org/wordprocessingml/2006/main">
+  <p:cSld name="">
+    <p:spTree>
+      <p:nvGrpSpPr>
+        <p:cNvPr id="1" name=""/>
+        <p:cNvGrpSpPr/>
+        <p:nvPr/>
+      </p:nvGrpSpPr>
+      <p:grpSpPr bwMode="auto">
+        <a:xfrm>
+          <a:off x="0" y="0"/>
+          <a:ext cx="0" cy="0"/>
+          <a:chOff x="0" y="0"/>
+          <a:chExt cx="0" cy="0"/>
+        </a:xfrm>
+      </p:grpSpPr>
+      <p:sp>
+        <p:nvSpPr>
+          <p:cNvPr id="2" name="Slide Image Placeholder 1"/>
+          <p:cNvSpPr>
+            <a:spLocks noChangeAspect="1" noGrp="1" noRot="1"/>
+          </p:cNvSpPr>
+          <p:nvPr>
+            <p:ph type="sldImg"/>
+          </p:nvPr>
+        </p:nvSpPr>
+        <p:spPr bwMode="auto"/>
+      </p:sp>
+      <p:sp>
+        <p:nvSpPr>
+          <p:cNvPr id="3" name="Notes Placeholder 2"/>
+          <p:cNvSpPr>
+            <a:spLocks noGrp="1"/>
+          </p:cNvSpPr>
+          <p:nvPr>
+            <p:ph type="body" idx="1"/>
+          </p:nvPr>
+        </p:nvSpPr>
+        <p:spPr bwMode="auto"/>
+        <p:txBody>
+          <a:bodyPr/>
+          <a:lstStyle/>
+          <a:p>
+            <a:pPr>
+              <a:defRPr/>
+            </a:pPr>
+            <a:endParaRPr/>
+          </a:p>
+        </p:txBody>
+      </p:sp>
+      <p:sp>
+        <p:nvSpPr>
+          <p:cNvPr id="4" name="Slide Number Placeholder 3"/>
+          <p:cNvSpPr>
+            <a:spLocks noGrp="1"/>
+          </p:cNvSpPr>
+          <p:nvPr>
+            <p:ph type="sldNum" sz="quarter" idx="10"/>
+          </p:nvPr>
+        </p:nvSpPr>
+        <p:spPr bwMode="auto"/>
+        <p:txBody>
+          <a:bodyPr/>
+          <a:lstStyle/>
+          <a:p>
+            <a:pPr>
+              <a:defRPr/>
+            </a:pPr>
+            <a:fld id="{880CEE55-7315-9158-1B7D-DECAE3BF6F9F}" type="slidenum">
               <a:rPr/>
               <a:t/>
             </a:fld>
@@ -8801,6 +9133,63 @@
               </a:rPr>
               <a:t>import matplotlib.pyplot as plt</a:t>
             </a:r>
+            <a:endParaRPr>
+              <a:latin typeface="Nimbus Mono PS"/>
+              <a:ea typeface="Nimbus Mono PS"/>
+              <a:cs typeface="Nimbus Mono PS"/>
+            </a:endParaRPr>
+          </a:p>
+          <a:p>
+            <a:pPr>
+              <a:defRPr/>
+            </a:pPr>
+            <a:r>
+              <a:rPr>
+                <a:latin typeface="Nimbus Mono PS"/>
+                <a:ea typeface="Nimbus Mono PS"/>
+                <a:cs typeface="Nimbus Mono PS"/>
+              </a:rPr>
+              <a:t>Matplotlib </a:t>
+            </a:r>
+            <a:r>
+              <a:rPr lang="pl-PL" sz="3200" b="0" i="0" u="none" strike="noStrike" cap="none" spc="0">
+                <a:solidFill>
+                  <a:schemeClr val="accent6">
+                    <a:lumMod val="50000"/>
+                  </a:schemeClr>
+                </a:solidFill>
+                <a:latin typeface="+mn-lt"/>
+                <a:ea typeface="+mn-ea"/>
+                <a:cs typeface="+mn-cs"/>
+              </a:rPr>
+              <a:t>to biblioteka kodu, zaś </a:t>
+            </a:r>
+            <a:r>
+              <a:rPr lang="pl-PL" sz="3200" b="0" i="0" u="none" strike="noStrike" cap="none" spc="0">
+                <a:solidFill>
+                  <a:schemeClr val="accent6">
+                    <a:lumMod val="50000"/>
+                  </a:schemeClr>
+                </a:solidFill>
+                <a:latin typeface="Nimbus Mono PS"/>
+                <a:ea typeface="Nimbus Mono PS"/>
+                <a:cs typeface="Nimbus Mono PS"/>
+              </a:rPr>
+              <a:t>pyplot </a:t>
+            </a:r>
+            <a:r>
+              <a:rPr lang="pl-PL" sz="3200" b="0" i="0" u="none" strike="noStrike" cap="none" spc="0">
+                <a:solidFill>
+                  <a:schemeClr val="accent6">
+                    <a:lumMod val="50000"/>
+                  </a:schemeClr>
+                </a:solidFill>
+                <a:latin typeface="Arial"/>
+                <a:ea typeface="Arial"/>
+                <a:cs typeface="Arial"/>
+              </a:rPr>
+              <a:t>stanowi interfejs, który zachowuje stan między wywołaniami</a:t>
+            </a:r>
             <a:endParaRPr/>
           </a:p>
           <a:p>
@@ -8888,7 +9277,7 @@
         </p:spPr>
         <p:txBody>
           <a:bodyPr vertOverflow="overflow" horzOverflow="overflow" vert="horz" wrap="square" lIns="91440" tIns="45720" rIns="91440" bIns="45720" numCol="1" spcCol="0" rtlCol="0" fromWordArt="0" anchor="t" anchorCtr="0" forceAA="0" upright="0" compatLnSpc="0">
-            <a:normAutofit/>
+            <a:normAutofit fontScale="85000" lnSpcReduction="3000"/>
           </a:bodyPr>
           <a:lstStyle/>
           <a:p>
@@ -8905,7 +9294,7 @@
             </a:r>
             <a:r>
               <a:rPr/>
-              <a:t> – tworzy wykres liniowy (w pamięci)</a:t>
+              <a:t> – tworzy wykres liniowy, x i y to tablice wartości</a:t>
             </a:r>
             <a:endParaRPr/>
           </a:p>
@@ -9027,8 +9416,41 @@
             </a:r>
             <a:r>
               <a:rPr/>
-              <a:t> – wartośći na osiach</a:t>
-            </a:r>
+              <a:t> – wartośći na osiach. </a:t>
+            </a:r>
+            <a:r>
+              <a:rPr lang="pl-PL" sz="3200" b="0" i="0" u="none" strike="noStrike" cap="none" spc="0">
+                <a:solidFill>
+                  <a:schemeClr val="accent6">
+                    <a:lumMod val="50000"/>
+                  </a:schemeClr>
+                </a:solidFill>
+                <a:latin typeface="Nimbus Mono PS"/>
+                <a:ea typeface="Nimbus Mono PS"/>
+                <a:cs typeface="Nimbus Mono PS"/>
+              </a:rPr>
+              <a:t>arr </a:t>
+            </a:r>
+            <a:r>
+              <a:rPr/>
+              <a:t>to tablica: </a:t>
+            </a:r>
+            <a:r>
+              <a:rPr lang="pl-PL" sz="3200" b="0" i="0" u="none" strike="noStrike" cap="none" spc="0">
+                <a:solidFill>
+                  <a:schemeClr val="accent6">
+                    <a:lumMod val="50000"/>
+                  </a:schemeClr>
+                </a:solidFill>
+                <a:latin typeface="Nimbus Mono PS"/>
+                <a:ea typeface="Nimbus Mono PS"/>
+                <a:cs typeface="Nimbus Mono PS"/>
+              </a:rPr>
+              <a:t>[xmin,xmax,ymin,ymax]</a:t>
+            </a:r>
+            <a:br>
+              <a:rPr/>
+            </a:br>
             <a:endParaRPr/>
           </a:p>
         </p:txBody>
@@ -9068,7 +9490,7 @@
       </p:grpSpPr>
       <p:sp>
         <p:nvSpPr>
-          <p:cNvPr id="1518862084" name="Заголовок 1"/>
+          <p:cNvPr id="427213007" name="Заголовок 1"/>
           <p:cNvSpPr>
             <a:spLocks noGrp="1"/>
           </p:cNvSpPr>
@@ -9086,15 +9508,15 @@
             </a:pPr>
             <a:r>
               <a:rPr/>
-              <a:t>Odczytywanie zawartości katalogu</a:t>
-            </a:r>
-            <a:endParaRPr/>
-          </a:p>
-        </p:txBody>
-      </p:sp>
-      <p:sp>
-        <p:nvSpPr>
-          <p:cNvPr id="1492158509" name="Объект 2"/>
+              <a:t>Pyplot</a:t>
+            </a:r>
+            <a:endParaRPr/>
+          </a:p>
+        </p:txBody>
+      </p:sp>
+      <p:sp>
+        <p:nvSpPr>
+          <p:cNvPr id="2133233860" name="Объект 2"/>
           <p:cNvSpPr>
             <a:spLocks noGrp="1"/>
           </p:cNvSpPr>
@@ -9110,6 +9532,40 @@
             <a:pPr>
               <a:defRPr/>
             </a:pPr>
+            <a:r>
+              <a:rPr/>
+              <a:t>W tym przykładzie korzystamy z interfejsu Pyplot.</a:t>
+            </a:r>
+            <a:endParaRPr/>
+          </a:p>
+          <a:p>
+            <a:pPr>
+              <a:defRPr/>
+            </a:pPr>
+            <a:r>
+              <a:rPr/>
+              <a:t>Istnieją inne, np. Pylab</a:t>
+            </a:r>
+            <a:endParaRPr/>
+          </a:p>
+          <a:p>
+            <a:pPr>
+              <a:defRPr/>
+            </a:pPr>
+            <a:r>
+              <a:rPr/>
+              <a:t>Można używać „samego” Matplotlib, ale Pyplot ułatwia nam życie</a:t>
+            </a:r>
+            <a:endParaRPr/>
+          </a:p>
+          <a:p>
+            <a:pPr>
+              <a:defRPr/>
+            </a:pPr>
+            <a:r>
+              <a:rPr/>
+              <a:t>Sam Matplotlib może się przydać, jeśli wykres ma stanowić element większej aplikacji</a:t>
+            </a:r>
             <a:endParaRPr/>
           </a:p>
         </p:txBody>
@@ -9149,7 +9605,7 @@
       </p:grpSpPr>
       <p:sp>
         <p:nvSpPr>
-          <p:cNvPr id="1432733166" name="Заголовок 1"/>
+          <p:cNvPr id="877899744" name="Заголовок 1"/>
           <p:cNvSpPr>
             <a:spLocks noGrp="1"/>
           </p:cNvSpPr>
@@ -9167,15 +9623,15 @@
             </a:pPr>
             <a:r>
               <a:rPr/>
-              <a:t>Źródła</a:t>
-            </a:r>
-            <a:endParaRPr/>
-          </a:p>
-        </p:txBody>
-      </p:sp>
-      <p:sp>
-        <p:nvSpPr>
-          <p:cNvPr id="1720179705" name="Объект 2"/>
+              <a:t>Pyplot</a:t>
+            </a:r>
+            <a:endParaRPr/>
+          </a:p>
+        </p:txBody>
+      </p:sp>
+      <p:sp>
+        <p:nvSpPr>
+          <p:cNvPr id="945739772" name="Объект 2"/>
           <p:cNvSpPr>
             <a:spLocks noGrp="1"/>
           </p:cNvSpPr>
@@ -9185,207 +9641,396 @@
         </p:nvSpPr>
         <p:spPr bwMode="auto"/>
         <p:txBody>
-          <a:bodyPr vertOverflow="overflow" horzOverflow="overflow" vert="horz" wrap="square" lIns="91440" tIns="45720" rIns="91440" bIns="45720" numCol="1" spcCol="0" rtlCol="0" fromWordArt="0" anchor="t" anchorCtr="0" forceAA="0" upright="0" compatLnSpc="0">
-            <a:normAutofit fontScale="90000" lnSpcReduction="2000"/>
-          </a:bodyPr>
-          <a:lstStyle/>
-          <a:p>
-            <a:pPr>
-              <a:defRPr/>
-            </a:pPr>
-            <a:r>
-              <a:rPr lang="pl-PL" sz="3200" b="0" i="0" u="sng" strike="noStrike" cap="none" spc="0">
-                <a:solidFill>
-                  <a:schemeClr val="accent6">
-                    <a:lumMod val="50000"/>
-                  </a:schemeClr>
-                </a:solidFill>
-                <a:latin typeface="Arial"/>
-                <a:ea typeface="Arial"/>
-                <a:cs typeface="Arial"/>
-                <a:hlinkClick r:id="rId3" tooltip="https://zapier.com/blog/python-automation/"/>
+          <a:bodyPr/>
+          <a:lstStyle/>
+          <a:p>
+            <a:pPr>
+              <a:defRPr/>
+            </a:pPr>
+            <a:r>
+              <a:rPr/>
+              <a:t>Pyplot zachowuje swój stan między wywołaniami</a:t>
+            </a:r>
+            <a:endParaRPr/>
+          </a:p>
+          <a:p>
+            <a:pPr>
+              <a:defRPr/>
+            </a:pPr>
+            <a:r>
+              <a:rPr/>
+              <a:t>Mamy jeden wykres „w pamięci”, który modyfikujemy każdą kolejną wywołaną funkcją </a:t>
+            </a:r>
+            <a:endParaRPr/>
+          </a:p>
+          <a:p>
+            <a:pPr>
+              <a:defRPr/>
+            </a:pPr>
+            <a:r>
+              <a:rPr>
+                <a:latin typeface="Nimbus Mono PS"/>
+                <a:ea typeface="Nimbus Mono PS"/>
+                <a:cs typeface="Nimbus Mono PS"/>
               </a:rPr>
-              <a:t>https://zapier.com/blog/python-automation/</a:t>
-            </a:r>
-            <a:r>
-              <a:rPr/>
-              <a:t> (!!!!!!!!!)</a:t>
-            </a:r>
-            <a:endParaRPr/>
-          </a:p>
-          <a:p>
-            <a:pPr>
-              <a:defRPr/>
-            </a:pPr>
-            <a:r>
-              <a:rPr lang="pl-PL" sz="3200" b="0" i="0" u="sng" strike="noStrike" cap="none" spc="0">
-                <a:solidFill>
-                  <a:schemeClr val="accent6">
-                    <a:lumMod val="50000"/>
-                  </a:schemeClr>
-                </a:solidFill>
-                <a:latin typeface="Arial"/>
-                <a:ea typeface="Arial"/>
-                <a:cs typeface="Arial"/>
-                <a:hlinkClick r:id="rId4" tooltip="https://docs.python.org/3/"/>
+              <a:t>plt.show</a:t>
+            </a:r>
+            <a:r>
+              <a:rPr/>
+              <a:t> wyświetla zapamiętany wykres</a:t>
+            </a:r>
+            <a:endParaRPr/>
+          </a:p>
+          <a:p>
+            <a:pPr>
+              <a:defRPr/>
+            </a:pPr>
+            <a:r>
+              <a:rPr/>
+              <a:t>Utworzenie nowego wykresu sprawi, że Pyplot zapomni o poprzednim</a:t>
+            </a:r>
+            <a:endParaRPr/>
+          </a:p>
+        </p:txBody>
+      </p:sp>
+    </p:spTree>
+  </p:cSld>
+  <p:clrMapOvr>
+    <a:masterClrMapping/>
+  </p:clrMapOvr>
+  <mc:AlternateContent xmlns:mc="http://schemas.openxmlformats.org/markup-compatibility/2006">
+    <mc:Choice xmlns:p159="http://schemas.microsoft.com/office/powerpoint/2015/09/main" xmlns:p14="http://schemas.microsoft.com/office/powerpoint/2010/main" Requires="p159">
+      <p:transition p14:dur="2000" advClick="1"/>
+    </mc:Choice>
+    <mc:Fallback>
+      <p:transition advClick="1"/>
+    </mc:Fallback>
+  </mc:AlternateContent>
+</p:sld>
+</file>
+
+<file path=ppt/slides/slide18.xml><?xml version="1.0" encoding="utf-8"?>
+<p:sld xmlns:a="http://schemas.openxmlformats.org/drawingml/2006/main" xmlns:r="http://schemas.openxmlformats.org/officeDocument/2006/relationships" xmlns:p="http://schemas.openxmlformats.org/presentationml/2006/main" xmlns:m="http://schemas.openxmlformats.org/officeDocument/2006/math" xmlns:w="http://schemas.openxmlformats.org/wordprocessingml/2006/main" showMasterPhAnim="0" show="1">
+  <p:cSld name="">
+    <p:spTree>
+      <p:nvGrpSpPr>
+        <p:cNvPr id="1" name=""/>
+        <p:cNvGrpSpPr/>
+        <p:nvPr/>
+      </p:nvGrpSpPr>
+      <p:grpSpPr bwMode="auto">
+        <a:xfrm>
+          <a:off x="0" y="0"/>
+          <a:ext cx="0" cy="0"/>
+          <a:chOff x="0" y="0"/>
+          <a:chExt cx="0" cy="0"/>
+        </a:xfrm>
+      </p:grpSpPr>
+      <p:sp>
+        <p:nvSpPr>
+          <p:cNvPr id="1875844484" name="Заголовок 1"/>
+          <p:cNvSpPr>
+            <a:spLocks noGrp="1"/>
+          </p:cNvSpPr>
+          <p:nvPr>
+            <p:ph type="title"/>
+          </p:nvPr>
+        </p:nvSpPr>
+        <p:spPr bwMode="auto"/>
+        <p:txBody>
+          <a:bodyPr/>
+          <a:lstStyle/>
+          <a:p>
+            <a:pPr>
+              <a:defRPr/>
+            </a:pPr>
+            <a:r>
+              <a:rPr/>
+              <a:t>Zadania – Wykres Sinusa</a:t>
+            </a:r>
+            <a:endParaRPr/>
+          </a:p>
+        </p:txBody>
+      </p:sp>
+      <p:sp>
+        <p:nvSpPr>
+          <p:cNvPr id="379364510" name="Объект 2"/>
+          <p:cNvSpPr>
+            <a:spLocks noGrp="1"/>
+          </p:cNvSpPr>
+          <p:nvPr>
+            <p:ph idx="1"/>
+          </p:nvPr>
+        </p:nvSpPr>
+        <p:spPr bwMode="auto"/>
+        <p:txBody>
+          <a:bodyPr/>
+          <a:lstStyle/>
+          <a:p>
+            <a:pPr>
+              <a:defRPr/>
+            </a:pPr>
+            <a:r>
+              <a:rPr/>
+              <a:t>Na Githubie znajdziesz plik „sinus_data.csv”, który zawiera współrzędne punktów wykresu funkcji sinus.</a:t>
+            </a:r>
+            <a:endParaRPr/>
+          </a:p>
+          <a:p>
+            <a:pPr>
+              <a:defRPr/>
+            </a:pPr>
+            <a:r>
+              <a:rPr/>
+              <a:t>Pierwszy wiersz zawiera wartości osi x, zaś drugi wartości osi y. Liczby są oddzielone średnikami.</a:t>
+            </a:r>
+            <a:endParaRPr/>
+          </a:p>
+          <a:p>
+            <a:pPr>
+              <a:defRPr/>
+            </a:pPr>
+            <a:r>
+              <a:rPr/>
+              <a:t>Należy narysować wykres tej funkcji</a:t>
+            </a:r>
+            <a:endParaRPr/>
+          </a:p>
+          <a:p>
+            <a:pPr>
+              <a:defRPr/>
+            </a:pPr>
+            <a:r>
+              <a:rPr/>
+              <a:t>Bonusowe punkty za dodanie etykiet osi i wyświetlenie funkcji tylko dla x </a:t>
+            </a:r>
+            <a:r>
+              <a:rPr>
+                <a:latin typeface="Asana"/>
+                <a:ea typeface="Asana"/>
+                <a:cs typeface="Asana"/>
               </a:rPr>
-              <a:t>https://docs.python.org/3</a:t>
-            </a:r>
-            <a:r>
-              <a:rPr lang="pl-PL" sz="3200" b="0" i="0" u="sng" strike="noStrike" cap="none" spc="0">
-                <a:solidFill>
-                  <a:schemeClr val="accent6">
-                    <a:lumMod val="50000"/>
-                  </a:schemeClr>
-                </a:solidFill>
-                <a:latin typeface="Arial"/>
-                <a:ea typeface="Arial"/>
-                <a:cs typeface="Arial"/>
-                <a:hlinkClick r:id="rId4" tooltip="https://docs.python.org/3/"/>
-              </a:rPr>
-              <a:t>/</a:t>
-            </a:r>
-            <a:endParaRPr/>
-          </a:p>
-          <a:p>
-            <a:pPr>
-              <a:defRPr/>
-            </a:pPr>
-            <a:r>
-              <a:rPr lang="pl-PL" sz="3200" b="0" i="0" u="sng" strike="noStrike" cap="none" spc="0">
-                <a:solidFill>
-                  <a:schemeClr val="accent6">
-                    <a:lumMod val="50000"/>
-                  </a:schemeClr>
-                </a:solidFill>
-                <a:latin typeface="Arial"/>
-                <a:ea typeface="Arial"/>
-                <a:cs typeface="Arial"/>
-                <a:hlinkClick r:id="rId5" tooltip="https://stackoverflow.com/questions/1466000/difference-between-modes-a-a-w-w-and-r-in-built-in-open-function"/>
-              </a:rPr>
-              <a:t>https://stackoverflow.com/questions/1466000/difference-between-modes-a-a-w-w-and-r-in-built-in-open-function</a:t>
-            </a:r>
-            <a:endParaRPr lang="pl-PL" sz="3200" b="0" i="0" u="none" strike="noStrike" cap="none" spc="0">
-              <a:solidFill>
-                <a:schemeClr val="accent6">
-                  <a:lumMod val="50000"/>
-                </a:schemeClr>
-              </a:solidFill>
-              <a:latin typeface="Arial"/>
-              <a:ea typeface="Arial"/>
-              <a:cs typeface="Arial"/>
-            </a:endParaRPr>
-          </a:p>
-          <a:p>
-            <a:pPr>
-              <a:defRPr/>
-            </a:pPr>
-            <a:r>
-              <a:rPr lang="pl-PL" sz="3200" b="0" i="0" u="sng" strike="noStrike" cap="none" spc="0">
-                <a:solidFill>
-                  <a:schemeClr val="accent6">
-                    <a:lumMod val="50000"/>
-                  </a:schemeClr>
-                </a:solidFill>
-                <a:latin typeface="Arial"/>
-                <a:ea typeface="Arial"/>
-                <a:cs typeface="Arial"/>
-                <a:hlinkClick r:id="rId6" tooltip="http://www.geeksforgeeks.org"/>
-              </a:rPr>
-              <a:t>www.geeksforgeeks.org</a:t>
-            </a:r>
-            <a:endParaRPr lang="pl-PL" sz="3200" b="0" i="0" u="none" strike="noStrike" cap="none" spc="0">
-              <a:solidFill>
-                <a:schemeClr val="accent6">
-                  <a:lumMod val="50000"/>
-                </a:schemeClr>
-              </a:solidFill>
-              <a:latin typeface="Arial"/>
-              <a:ea typeface="Arial"/>
-              <a:cs typeface="Arial"/>
-            </a:endParaRPr>
-          </a:p>
-          <a:p>
-            <a:pPr>
-              <a:defRPr/>
-            </a:pPr>
-            <a:r>
-              <a:rPr lang="pl-PL" sz="3200" b="0" i="0" u="sng" strike="noStrike" cap="none" spc="0">
-                <a:solidFill>
-                  <a:schemeClr val="accent6">
-                    <a:lumMod val="50000"/>
-                  </a:schemeClr>
-                </a:solidFill>
-                <a:latin typeface="Arial"/>
-                <a:ea typeface="Arial"/>
-                <a:cs typeface="Arial"/>
-                <a:hlinkClick r:id="rId7" tooltip="https://www.w3schools.com/"/>
-              </a:rPr>
-              <a:t>https://www.w3schools.com/</a:t>
-            </a:r>
-            <a:endParaRPr lang="pl-PL" sz="3200" b="0" i="0" u="none" strike="noStrike" cap="none" spc="0">
-              <a:solidFill>
-                <a:schemeClr val="accent6">
-                  <a:lumMod val="50000"/>
-                </a:schemeClr>
-              </a:solidFill>
-              <a:latin typeface="Arial"/>
-              <a:ea typeface="Arial"/>
-              <a:cs typeface="Arial"/>
-            </a:endParaRPr>
-          </a:p>
-          <a:p>
-            <a:pPr>
-              <a:defRPr/>
-            </a:pPr>
-            <a:r>
-              <a:rPr lang="pl-PL" sz="3200" b="0" i="0" u="sng" strike="noStrike" cap="none" spc="0">
-                <a:solidFill>
-                  <a:schemeClr val="accent6">
-                    <a:lumMod val="50000"/>
-                  </a:schemeClr>
-                </a:solidFill>
-                <a:latin typeface="Arial"/>
-                <a:ea typeface="Arial"/>
-                <a:cs typeface="Arial"/>
-                <a:hlinkClick r:id="rId8" tooltip="https://shotkit.com/free-raw-photos/"/>
-              </a:rPr>
-              <a:t>https://shotkit.com/free-raw-photos/</a:t>
-            </a:r>
-            <a:endParaRPr lang="pl-PL" sz="3200" b="0" i="0" u="none" strike="noStrike" cap="none" spc="0">
-              <a:solidFill>
-                <a:schemeClr val="accent6">
-                  <a:lumMod val="50000"/>
-                </a:schemeClr>
-              </a:solidFill>
-              <a:latin typeface="Arial"/>
-              <a:ea typeface="Arial"/>
-              <a:cs typeface="Arial"/>
-            </a:endParaRPr>
-          </a:p>
-          <a:p>
-            <a:pPr>
-              <a:defRPr/>
-            </a:pPr>
-            <a:r>
-              <a:rPr lang="pl-PL" sz="3200" b="0" i="0" u="none" strike="noStrike" cap="none" spc="0">
-                <a:solidFill>
-                  <a:schemeClr val="accent6">
-                    <a:lumMod val="50000"/>
-                  </a:schemeClr>
-                </a:solidFill>
+              <a:t>∊&lt;</a:t>
+            </a:r>
+            <a:r>
+              <a:rPr>
                 <a:latin typeface="Arial"/>
                 <a:ea typeface="Arial"/>
                 <a:cs typeface="Arial"/>
               </a:rPr>
-              <a:t>https://stackoverflow.com/questions/2547349/what-does-x-mean-in-c-c</a:t>
-            </a:r>
-            <a:endParaRPr lang="pl-PL"/>
-          </a:p>
-          <a:p>
-            <a:pPr>
-              <a:defRPr/>
-            </a:pPr>
+              <a:t>π</a:t>
+            </a:r>
+            <a:r>
+              <a:rPr>
+                <a:latin typeface="Asana"/>
+                <a:ea typeface="Asana"/>
+                <a:cs typeface="Asana"/>
+              </a:rPr>
+              <a:t>,2</a:t>
+            </a:r>
+            <a:r>
+              <a:rPr>
+                <a:latin typeface="Arial"/>
+                <a:ea typeface="Arial"/>
+                <a:cs typeface="Arial"/>
+              </a:rPr>
+              <a:t>π</a:t>
+            </a:r>
+            <a:r>
+              <a:rPr>
+                <a:latin typeface="Asana"/>
+                <a:ea typeface="Asana"/>
+                <a:cs typeface="Asana"/>
+              </a:rPr>
+              <a:t>&gt;</a:t>
+            </a:r>
+            <a:endParaRPr/>
+          </a:p>
+        </p:txBody>
+      </p:sp>
+      <p:sp>
+        <p:nvSpPr>
+          <p:cNvPr id="1753727761" name=""/>
+          <p:cNvSpPr txBox="1"/>
+          <p:nvPr/>
+        </p:nvSpPr>
+        <p:spPr bwMode="auto">
+          <a:xfrm flipH="0" flipV="0">
+            <a:off x="7926741" y="6126163"/>
+            <a:ext cx="3853593" cy="366120"/>
+          </a:xfrm>
+          <a:prstGeom prst="rect">
+            <a:avLst/>
+          </a:prstGeom>
+          <a:noFill/>
+        </p:spPr>
+        <p:txBody>
+          <a:bodyPr vertOverflow="overflow" horzOverflow="overflow" vert="horz" wrap="square" lIns="91440" tIns="45720" rIns="91440" bIns="45720" numCol="1" spcCol="0" rtlCol="0" fromWordArt="0" anchor="t" anchorCtr="0" forceAA="0" upright="0" compatLnSpc="0">
+            <a:spAutoFit/>
+          </a:bodyPr>
+          <a:p>
+            <a:pPr>
+              <a:defRPr/>
+            </a:pPr>
+            <a:r>
+              <a:rPr>
+                <a:latin typeface="Source Code Pro ExtraLight"/>
+                <a:ea typeface="Source Code Pro ExtraLight"/>
+                <a:cs typeface="Source Code Pro ExtraLight"/>
+              </a:rPr>
+              <a:t>text_operations.py</a:t>
+            </a:r>
+            <a:endParaRPr/>
+          </a:p>
+        </p:txBody>
+      </p:sp>
+    </p:spTree>
+  </p:cSld>
+  <p:clrMapOvr>
+    <a:masterClrMapping/>
+  </p:clrMapOvr>
+  <mc:AlternateContent xmlns:mc="http://schemas.openxmlformats.org/markup-compatibility/2006">
+    <mc:Choice xmlns:p159="http://schemas.microsoft.com/office/powerpoint/2015/09/main" xmlns:p14="http://schemas.microsoft.com/office/powerpoint/2010/main" Requires="p159">
+      <p:transition p14:dur="2000" advClick="1"/>
+    </mc:Choice>
+    <mc:Fallback>
+      <p:transition advClick="1"/>
+    </mc:Fallback>
+  </mc:AlternateContent>
+</p:sld>
+</file>
+
+<file path=ppt/slides/slide19.xml><?xml version="1.0" encoding="utf-8"?>
+<p:sld xmlns:a="http://schemas.openxmlformats.org/drawingml/2006/main" xmlns:r="http://schemas.openxmlformats.org/officeDocument/2006/relationships" xmlns:p="http://schemas.openxmlformats.org/presentationml/2006/main" xmlns:m="http://schemas.openxmlformats.org/officeDocument/2006/math" xmlns:w="http://schemas.openxmlformats.org/wordprocessingml/2006/main" showMasterPhAnim="0" show="1">
+  <p:cSld name="">
+    <p:spTree>
+      <p:nvGrpSpPr>
+        <p:cNvPr id="1" name=""/>
+        <p:cNvGrpSpPr/>
+        <p:nvPr/>
+      </p:nvGrpSpPr>
+      <p:grpSpPr bwMode="auto">
+        <a:xfrm>
+          <a:off x="0" y="0"/>
+          <a:ext cx="0" cy="0"/>
+          <a:chOff x="0" y="0"/>
+          <a:chExt cx="0" cy="0"/>
+        </a:xfrm>
+      </p:grpSpPr>
+      <p:sp>
+        <p:nvSpPr>
+          <p:cNvPr id="749076809" name="Заголовок 1"/>
+          <p:cNvSpPr>
+            <a:spLocks noGrp="1"/>
+          </p:cNvSpPr>
+          <p:nvPr>
+            <p:ph type="title"/>
+          </p:nvPr>
+        </p:nvSpPr>
+        <p:spPr bwMode="auto"/>
+        <p:txBody>
+          <a:bodyPr/>
+          <a:lstStyle/>
+          <a:p>
+            <a:pPr>
+              <a:defRPr/>
+            </a:pPr>
+            <a:r>
+              <a:rPr/>
+              <a:t>Zadanie - Litery</a:t>
+            </a:r>
+            <a:endParaRPr/>
+          </a:p>
+        </p:txBody>
+      </p:sp>
+      <p:sp>
+        <p:nvSpPr>
+          <p:cNvPr id="980496072" name="Объект 2"/>
+          <p:cNvSpPr>
+            <a:spLocks noGrp="1"/>
+          </p:cNvSpPr>
+          <p:nvPr>
+            <p:ph idx="1"/>
+          </p:nvPr>
+        </p:nvSpPr>
+        <p:spPr bwMode="auto"/>
+        <p:txBody>
+          <a:bodyPr/>
+          <a:lstStyle/>
+          <a:p>
+            <a:pPr>
+              <a:defRPr/>
+            </a:pPr>
+            <a:r>
+              <a:rPr/>
+              <a:t>Plik „abc_data.csv” zawiera ciąg liter ‘a’, ‘b’ i ‘c’ oddzielonych średnikami.</a:t>
+            </a:r>
+            <a:endParaRPr/>
+          </a:p>
+          <a:p>
+            <a:pPr>
+              <a:defRPr/>
+            </a:pPr>
+            <a:r>
+              <a:rPr/>
+              <a:t>Należy stworzyć historgram przedstawiający liczbę wystąpień każdej litery</a:t>
+            </a:r>
+            <a:endParaRPr/>
+          </a:p>
+          <a:p>
+            <a:pPr>
+              <a:defRPr/>
+            </a:pPr>
+            <a:r>
+              <a:rPr/>
+              <a:t>Następnie należy stworzyć analogiczny wykres kołowy opatrzony odpowiednimi etykietami.</a:t>
+            </a:r>
+            <a:endParaRPr/>
+          </a:p>
+          <a:p>
+            <a:pPr>
+              <a:defRPr/>
+            </a:pPr>
+            <a:r>
+              <a:rPr/>
+              <a:t>Uwaga – histogram jest „sprytny” i wystarczy podać mu tablicę liter + liczbę „koszyków”. Dla wykresu kołowego trzeba je najpierw policzyć. </a:t>
+            </a:r>
+            <a:endParaRPr/>
+          </a:p>
+        </p:txBody>
+      </p:sp>
+      <p:sp>
+        <p:nvSpPr>
+          <p:cNvPr id="710090957" name=""/>
+          <p:cNvSpPr txBox="1"/>
+          <p:nvPr/>
+        </p:nvSpPr>
+        <p:spPr bwMode="auto">
+          <a:xfrm flipH="0" flipV="0">
+            <a:off x="7926741" y="6126163"/>
+            <a:ext cx="3858633" cy="366120"/>
+          </a:xfrm>
+          <a:prstGeom prst="rect">
+            <a:avLst/>
+          </a:prstGeom>
+          <a:noFill/>
+        </p:spPr>
+        <p:txBody>
+          <a:bodyPr vertOverflow="overflow" horzOverflow="overflow" vert="horz" wrap="square" lIns="91440" tIns="45720" rIns="91440" bIns="45720" numCol="1" spcCol="0" rtlCol="0" fromWordArt="0" anchor="t" anchorCtr="0" forceAA="0" upright="0" compatLnSpc="0">
+            <a:spAutoFit/>
+          </a:bodyPr>
+          <a:p>
+            <a:pPr>
+              <a:defRPr/>
+            </a:pPr>
+            <a:r>
+              <a:rPr>
+                <a:latin typeface="Source Code Pro ExtraLight"/>
+                <a:ea typeface="Source Code Pro ExtraLight"/>
+                <a:cs typeface="Source Code Pro ExtraLight"/>
+              </a:rPr>
+              <a:t>letters.py</a:t>
+            </a:r>
             <a:endParaRPr/>
           </a:p>
         </p:txBody>
@@ -9445,6 +10090,458 @@
               <a:rPr/>
               <a:t>Nudne, powtarzalne zadania</a:t>
             </a:r>
+            <a:endParaRPr/>
+          </a:p>
+        </p:txBody>
+      </p:sp>
+    </p:spTree>
+  </p:cSld>
+  <p:clrMapOvr>
+    <a:masterClrMapping/>
+  </p:clrMapOvr>
+  <mc:AlternateContent xmlns:mc="http://schemas.openxmlformats.org/markup-compatibility/2006">
+    <mc:Choice xmlns:p159="http://schemas.microsoft.com/office/powerpoint/2015/09/main" xmlns:p14="http://schemas.microsoft.com/office/powerpoint/2010/main" Requires="p159">
+      <p:transition p14:dur="2000" advClick="1"/>
+    </mc:Choice>
+    <mc:Fallback>
+      <p:transition advClick="1"/>
+    </mc:Fallback>
+  </mc:AlternateContent>
+</p:sld>
+</file>
+
+<file path=ppt/slides/slide20.xml><?xml version="1.0" encoding="utf-8"?>
+<p:sld xmlns:a="http://schemas.openxmlformats.org/drawingml/2006/main" xmlns:r="http://schemas.openxmlformats.org/officeDocument/2006/relationships" xmlns:p="http://schemas.openxmlformats.org/presentationml/2006/main" xmlns:m="http://schemas.openxmlformats.org/officeDocument/2006/math" xmlns:w="http://schemas.openxmlformats.org/wordprocessingml/2006/main" showMasterPhAnim="0" show="1">
+  <p:cSld name="">
+    <p:spTree>
+      <p:nvGrpSpPr>
+        <p:cNvPr id="1" name=""/>
+        <p:cNvGrpSpPr/>
+        <p:nvPr/>
+      </p:nvGrpSpPr>
+      <p:grpSpPr bwMode="auto">
+        <a:xfrm>
+          <a:off x="0" y="0"/>
+          <a:ext cx="0" cy="0"/>
+          <a:chOff x="0" y="0"/>
+          <a:chExt cx="0" cy="0"/>
+        </a:xfrm>
+      </p:grpSpPr>
+      <p:sp>
+        <p:nvSpPr>
+          <p:cNvPr id="804937722" name="Заголовок 1"/>
+          <p:cNvSpPr>
+            <a:spLocks noGrp="1"/>
+          </p:cNvSpPr>
+          <p:nvPr>
+            <p:ph type="title"/>
+          </p:nvPr>
+        </p:nvSpPr>
+        <p:spPr bwMode="auto"/>
+        <p:txBody>
+          <a:bodyPr/>
+          <a:lstStyle/>
+          <a:p>
+            <a:pPr>
+              <a:defRPr/>
+            </a:pPr>
+            <a:r>
+              <a:rPr/>
+              <a:t>Zadanie – rozkład standardowy</a:t>
+            </a:r>
+            <a:endParaRPr/>
+          </a:p>
+        </p:txBody>
+      </p:sp>
+      <p:sp>
+        <p:nvSpPr>
+          <p:cNvPr id="106648084" name="Объект 2"/>
+          <p:cNvSpPr>
+            <a:spLocks noGrp="1"/>
+          </p:cNvSpPr>
+          <p:nvPr>
+            <p:ph idx="1"/>
+          </p:nvPr>
+        </p:nvSpPr>
+        <p:spPr bwMode="auto"/>
+        <p:txBody>
+          <a:bodyPr/>
+          <a:lstStyle/>
+          <a:p>
+            <a:pPr>
+              <a:defRPr/>
+            </a:pPr>
+            <a:r>
+              <a:rPr/>
+              <a:t>Należy stworzyć kolejny histogram, tym razem przedstawiający rozkład standardowy</a:t>
+            </a:r>
+            <a:endParaRPr/>
+          </a:p>
+          <a:p>
+            <a:pPr>
+              <a:defRPr/>
+            </a:pPr>
+            <a:r>
+              <a:rPr/>
+              <a:t>Można go stworzyć przy pomocy </a:t>
+            </a:r>
+            <a:r>
+              <a:rPr sz="2600" b="0" i="0" u="none">
+                <a:solidFill>
+                  <a:schemeClr val="tx1"/>
+                </a:solidFill>
+                <a:latin typeface="Nimbus Mono PS"/>
+                <a:ea typeface="Nimbus Mono PS"/>
+                <a:cs typeface="Nimbus Mono PS"/>
+              </a:rPr>
+              <a:t>np.random.standard_normal(</a:t>
+            </a:r>
+            <a:r>
+              <a:rPr sz="2600" b="0" i="0" u="none">
+                <a:solidFill>
+                  <a:schemeClr val="tx1"/>
+                </a:solidFill>
+                <a:latin typeface="Nimbus Mono PS"/>
+                <a:ea typeface="Nimbus Mono PS"/>
+                <a:cs typeface="Nimbus Mono PS"/>
+              </a:rPr>
+              <a:t>10000</a:t>
+            </a:r>
+            <a:r>
+              <a:rPr sz="2600" b="0" i="0" u="none">
+                <a:solidFill>
+                  <a:schemeClr val="tx1"/>
+                </a:solidFill>
+                <a:latin typeface="Nimbus Mono PS"/>
+                <a:ea typeface="Nimbus Mono PS"/>
+                <a:cs typeface="Nimbus Mono PS"/>
+              </a:rPr>
+              <a:t>)</a:t>
+            </a:r>
+            <a:r>
+              <a:rPr lang="pl-PL" sz="2600" b="0" i="0" u="none" strike="noStrike" cap="none" spc="0">
+                <a:solidFill>
+                  <a:schemeClr val="accent6">
+                    <a:lumMod val="50000"/>
+                  </a:schemeClr>
+                </a:solidFill>
+                <a:latin typeface="+mn-lt"/>
+                <a:ea typeface="+mn-ea"/>
+                <a:cs typeface="+mn-cs"/>
+              </a:rPr>
+              <a:t>z biblioteki numpy</a:t>
+            </a:r>
+            <a:endParaRPr lang="pl-PL" sz="2600" b="0" i="0" u="none" strike="noStrike" cap="none" spc="0">
+              <a:solidFill>
+                <a:schemeClr val="accent6">
+                  <a:lumMod val="50000"/>
+                </a:schemeClr>
+              </a:solidFill>
+              <a:latin typeface="Times New Roman"/>
+              <a:cs typeface="Times New Roman"/>
+            </a:endParaRPr>
+          </a:p>
+          <a:p>
+            <a:pPr>
+              <a:defRPr/>
+            </a:pPr>
+            <a:r>
+              <a:rPr lang="pl-PL" sz="3200" b="0" i="0" u="none" strike="noStrike" cap="none" spc="0">
+                <a:solidFill>
+                  <a:schemeClr val="accent6">
+                    <a:lumMod val="50000"/>
+                  </a:schemeClr>
+                </a:solidFill>
+                <a:latin typeface="Arial"/>
+                <a:ea typeface="Arial"/>
+                <a:cs typeface="Arial"/>
+              </a:rPr>
+              <a:t>Sprawdź co się stanie, kiedy zmienisz liczbę „kubełków”</a:t>
+            </a:r>
+            <a:endParaRPr lang="pl-PL" sz="2600" b="0" i="0" u="none" strike="noStrike" cap="none" spc="0">
+              <a:solidFill>
+                <a:schemeClr val="accent6">
+                  <a:lumMod val="50000"/>
+                </a:schemeClr>
+              </a:solidFill>
+              <a:latin typeface="Times New Roman"/>
+              <a:cs typeface="Times New Roman"/>
+            </a:endParaRPr>
+          </a:p>
+        </p:txBody>
+      </p:sp>
+    </p:spTree>
+  </p:cSld>
+  <p:clrMapOvr>
+    <a:masterClrMapping/>
+  </p:clrMapOvr>
+  <mc:AlternateContent xmlns:mc="http://schemas.openxmlformats.org/markup-compatibility/2006">
+    <mc:Choice xmlns:p159="http://schemas.microsoft.com/office/powerpoint/2015/09/main" xmlns:p14="http://schemas.microsoft.com/office/powerpoint/2010/main" Requires="p159">
+      <p:transition p14:dur="2000" advClick="1"/>
+    </mc:Choice>
+    <mc:Fallback>
+      <p:transition advClick="1"/>
+    </mc:Fallback>
+  </mc:AlternateContent>
+</p:sld>
+</file>
+
+<file path=ppt/slides/slide21.xml><?xml version="1.0" encoding="utf-8"?>
+<p:sld xmlns:a="http://schemas.openxmlformats.org/drawingml/2006/main" xmlns:r="http://schemas.openxmlformats.org/officeDocument/2006/relationships" xmlns:p="http://schemas.openxmlformats.org/presentationml/2006/main" xmlns:m="http://schemas.openxmlformats.org/officeDocument/2006/math" xmlns:w="http://schemas.openxmlformats.org/wordprocessingml/2006/main" showMasterPhAnim="0" show="1">
+  <p:cSld name="">
+    <p:spTree>
+      <p:nvGrpSpPr>
+        <p:cNvPr id="1" name=""/>
+        <p:cNvGrpSpPr/>
+        <p:nvPr/>
+      </p:nvGrpSpPr>
+      <p:grpSpPr bwMode="auto">
+        <a:xfrm>
+          <a:off x="0" y="0"/>
+          <a:ext cx="0" cy="0"/>
+          <a:chOff x="0" y="0"/>
+          <a:chExt cx="0" cy="0"/>
+        </a:xfrm>
+      </p:grpSpPr>
+      <p:sp>
+        <p:nvSpPr>
+          <p:cNvPr id="1432733166" name="Заголовок 1"/>
+          <p:cNvSpPr>
+            <a:spLocks noGrp="1"/>
+          </p:cNvSpPr>
+          <p:nvPr>
+            <p:ph type="title"/>
+          </p:nvPr>
+        </p:nvSpPr>
+        <p:spPr bwMode="auto"/>
+        <p:txBody>
+          <a:bodyPr/>
+          <a:lstStyle/>
+          <a:p>
+            <a:pPr>
+              <a:defRPr/>
+            </a:pPr>
+            <a:r>
+              <a:rPr/>
+              <a:t>Źródła</a:t>
+            </a:r>
+            <a:endParaRPr/>
+          </a:p>
+        </p:txBody>
+      </p:sp>
+      <p:sp>
+        <p:nvSpPr>
+          <p:cNvPr id="1720179705" name="Объект 2"/>
+          <p:cNvSpPr>
+            <a:spLocks noGrp="1"/>
+          </p:cNvSpPr>
+          <p:nvPr>
+            <p:ph idx="1"/>
+          </p:nvPr>
+        </p:nvSpPr>
+        <p:spPr bwMode="auto"/>
+        <p:txBody>
+          <a:bodyPr vertOverflow="overflow" horzOverflow="overflow" vert="horz" wrap="square" lIns="91440" tIns="45720" rIns="91440" bIns="45720" numCol="1" spcCol="0" rtlCol="0" fromWordArt="0" anchor="t" anchorCtr="0" forceAA="0" upright="0" compatLnSpc="0">
+            <a:normAutofit fontScale="90000" lnSpcReduction="2000"/>
+          </a:bodyPr>
+          <a:lstStyle/>
+          <a:p>
+            <a:pPr>
+              <a:defRPr/>
+            </a:pPr>
+            <a:r>
+              <a:rPr lang="pl-PL" sz="3200" b="0" i="0" u="sng" strike="noStrike" cap="none" spc="0">
+                <a:solidFill>
+                  <a:schemeClr val="accent6">
+                    <a:lumMod val="50000"/>
+                  </a:schemeClr>
+                </a:solidFill>
+                <a:latin typeface="Arial"/>
+                <a:ea typeface="Arial"/>
+                <a:cs typeface="Arial"/>
+                <a:hlinkClick r:id="rId3" tooltip="https://zapier.com/blog/python-automation/"/>
+              </a:rPr>
+              <a:t>https://zapier.com/blog/python-automation/</a:t>
+            </a:r>
+            <a:r>
+              <a:rPr/>
+              <a:t> (!!!!!!!!!)</a:t>
+            </a:r>
+            <a:endParaRPr/>
+          </a:p>
+          <a:p>
+            <a:pPr>
+              <a:defRPr/>
+            </a:pPr>
+            <a:r>
+              <a:rPr lang="pl-PL" sz="3200" b="0" i="0" u="sng" strike="noStrike" cap="none" spc="0">
+                <a:solidFill>
+                  <a:schemeClr val="accent6">
+                    <a:lumMod val="50000"/>
+                  </a:schemeClr>
+                </a:solidFill>
+                <a:latin typeface="Arial"/>
+                <a:ea typeface="Arial"/>
+                <a:cs typeface="Arial"/>
+                <a:hlinkClick r:id="rId4" tooltip="https://docs.python.org/3/"/>
+              </a:rPr>
+              <a:t>https://docs.python.org/3</a:t>
+            </a:r>
+            <a:r>
+              <a:rPr lang="pl-PL" sz="3200" b="0" i="0" u="sng" strike="noStrike" cap="none" spc="0">
+                <a:solidFill>
+                  <a:schemeClr val="accent6">
+                    <a:lumMod val="50000"/>
+                  </a:schemeClr>
+                </a:solidFill>
+                <a:latin typeface="Arial"/>
+                <a:ea typeface="Arial"/>
+                <a:cs typeface="Arial"/>
+                <a:hlinkClick r:id="rId4" tooltip="https://docs.python.org/3/"/>
+              </a:rPr>
+              <a:t>/</a:t>
+            </a:r>
+            <a:endParaRPr/>
+          </a:p>
+          <a:p>
+            <a:pPr>
+              <a:defRPr/>
+            </a:pPr>
+            <a:r>
+              <a:rPr lang="pl-PL" sz="3200" b="0" i="0" u="sng" strike="noStrike" cap="none" spc="0">
+                <a:solidFill>
+                  <a:schemeClr val="accent6">
+                    <a:lumMod val="50000"/>
+                  </a:schemeClr>
+                </a:solidFill>
+                <a:latin typeface="Arial"/>
+                <a:ea typeface="Arial"/>
+                <a:cs typeface="Arial"/>
+                <a:hlinkClick r:id="rId5" tooltip="https://stackoverflow.com/questions/1466000/difference-between-modes-a-a-w-w-and-r-in-built-in-open-function"/>
+              </a:rPr>
+              <a:t>https://stackoverflow.com/questions/1466000/difference-between-modes-a-a-w-w-and-r-in-built-in-open-function</a:t>
+            </a:r>
+            <a:endParaRPr lang="pl-PL" sz="3200" b="0" i="0" u="none" strike="noStrike" cap="none" spc="0">
+              <a:solidFill>
+                <a:schemeClr val="accent6">
+                  <a:lumMod val="50000"/>
+                </a:schemeClr>
+              </a:solidFill>
+              <a:latin typeface="Arial"/>
+              <a:ea typeface="Arial"/>
+              <a:cs typeface="Arial"/>
+            </a:endParaRPr>
+          </a:p>
+          <a:p>
+            <a:pPr>
+              <a:defRPr/>
+            </a:pPr>
+            <a:r>
+              <a:rPr lang="pl-PL" sz="3200" b="0" i="0" u="sng" strike="noStrike" cap="none" spc="0">
+                <a:solidFill>
+                  <a:schemeClr val="accent6">
+                    <a:lumMod val="50000"/>
+                  </a:schemeClr>
+                </a:solidFill>
+                <a:latin typeface="Arial"/>
+                <a:ea typeface="Arial"/>
+                <a:cs typeface="Arial"/>
+                <a:hlinkClick r:id="rId6" tooltip="http://www.geeksforgeeks.org"/>
+              </a:rPr>
+              <a:t>www.geeksforgeeks.org</a:t>
+            </a:r>
+            <a:endParaRPr lang="pl-PL" sz="3200" b="0" i="0" u="none" strike="noStrike" cap="none" spc="0">
+              <a:solidFill>
+                <a:schemeClr val="accent6">
+                  <a:lumMod val="50000"/>
+                </a:schemeClr>
+              </a:solidFill>
+              <a:latin typeface="Arial"/>
+              <a:ea typeface="Arial"/>
+              <a:cs typeface="Arial"/>
+            </a:endParaRPr>
+          </a:p>
+          <a:p>
+            <a:pPr>
+              <a:defRPr/>
+            </a:pPr>
+            <a:r>
+              <a:rPr lang="pl-PL" sz="3200" b="0" i="0" u="sng" strike="noStrike" cap="none" spc="0">
+                <a:solidFill>
+                  <a:schemeClr val="accent6">
+                    <a:lumMod val="50000"/>
+                  </a:schemeClr>
+                </a:solidFill>
+                <a:latin typeface="Arial"/>
+                <a:ea typeface="Arial"/>
+                <a:cs typeface="Arial"/>
+                <a:hlinkClick r:id="rId7" tooltip="https://www.w3schools.com/"/>
+              </a:rPr>
+              <a:t>https://www.w3schools.com/</a:t>
+            </a:r>
+            <a:endParaRPr lang="pl-PL" sz="3200" b="0" i="0" u="none" strike="noStrike" cap="none" spc="0">
+              <a:solidFill>
+                <a:schemeClr val="accent6">
+                  <a:lumMod val="50000"/>
+                </a:schemeClr>
+              </a:solidFill>
+              <a:latin typeface="Arial"/>
+              <a:ea typeface="Arial"/>
+              <a:cs typeface="Arial"/>
+            </a:endParaRPr>
+          </a:p>
+          <a:p>
+            <a:pPr>
+              <a:defRPr/>
+            </a:pPr>
+            <a:r>
+              <a:rPr lang="pl-PL" sz="3200" b="0" i="0" u="sng" strike="noStrike" cap="none" spc="0">
+                <a:solidFill>
+                  <a:schemeClr val="accent6">
+                    <a:lumMod val="50000"/>
+                  </a:schemeClr>
+                </a:solidFill>
+                <a:latin typeface="Arial"/>
+                <a:ea typeface="Arial"/>
+                <a:cs typeface="Arial"/>
+                <a:hlinkClick r:id="rId8" tooltip="https://shotkit.com/free-raw-photos/"/>
+              </a:rPr>
+              <a:t>https://shotkit.com/free-raw-photos/</a:t>
+            </a:r>
+            <a:endParaRPr lang="pl-PL" sz="3200" b="0" i="0" u="none" strike="noStrike" cap="none" spc="0">
+              <a:solidFill>
+                <a:schemeClr val="accent6">
+                  <a:lumMod val="50000"/>
+                </a:schemeClr>
+              </a:solidFill>
+              <a:latin typeface="Arial"/>
+              <a:ea typeface="Arial"/>
+              <a:cs typeface="Arial"/>
+            </a:endParaRPr>
+          </a:p>
+          <a:p>
+            <a:pPr>
+              <a:defRPr/>
+            </a:pPr>
+            <a:r>
+              <a:rPr lang="pl-PL" sz="3200" b="0" i="0" u="none" strike="noStrike" cap="none" spc="0">
+                <a:solidFill>
+                  <a:schemeClr val="accent6">
+                    <a:lumMod val="50000"/>
+                  </a:schemeClr>
+                </a:solidFill>
+                <a:latin typeface="Arial"/>
+                <a:ea typeface="Arial"/>
+                <a:cs typeface="Arial"/>
+              </a:rPr>
+              <a:t>https://stackoverflow.com/questions/2547349/what-does-x-mean-in-c-c</a:t>
+            </a:r>
+            <a:endParaRPr lang="pl-PL"/>
+          </a:p>
+          <a:p>
+            <a:pPr>
+              <a:defRPr/>
+            </a:pPr>
             <a:endParaRPr/>
           </a:p>
         </p:txBody>
@@ -10187,7 +11284,7 @@
           <p:nvPr/>
         </p:nvSpPr>
         <p:spPr bwMode="auto">
-          <a:xfrm rot="10799990" flipH="0" flipV="0">
+          <a:xfrm rot="10799989" flipH="0" flipV="0">
             <a:off x="10276615" y="2876992"/>
             <a:ext cx="221510" cy="310115"/>
           </a:xfrm>
